--- a/GBA Map.pptx
+++ b/GBA Map.pptx
@@ -6,6 +6,8 @@
   </p:sldMasterIdLst>
   <p:sldIdLst>
     <p:sldId id="258" r:id="rId2"/>
+    <p:sldId id="259" r:id="rId3"/>
+    <p:sldId id="260" r:id="rId4"/>
   </p:sldIdLst>
   <p:sldSz cx="12192000" cy="6858000"/>
   <p:notesSz cx="6858000" cy="9144000"/>
@@ -243,7 +245,7 @@
           <a:p>
             <a:fld id="{5A2ED83E-931A-4FCB-8301-2B58CB6354E4}" type="datetimeFigureOut">
               <a:rPr lang="en-AU" smtClean="0"/>
-              <a:t>15/08/2019</a:t>
+              <a:t>25/11/2019</a:t>
             </a:fld>
             <a:endParaRPr lang="en-AU"/>
           </a:p>
@@ -413,7 +415,7 @@
           <a:p>
             <a:fld id="{5A2ED83E-931A-4FCB-8301-2B58CB6354E4}" type="datetimeFigureOut">
               <a:rPr lang="en-AU" smtClean="0"/>
-              <a:t>15/08/2019</a:t>
+              <a:t>25/11/2019</a:t>
             </a:fld>
             <a:endParaRPr lang="en-AU"/>
           </a:p>
@@ -593,7 +595,7 @@
           <a:p>
             <a:fld id="{5A2ED83E-931A-4FCB-8301-2B58CB6354E4}" type="datetimeFigureOut">
               <a:rPr lang="en-AU" smtClean="0"/>
-              <a:t>15/08/2019</a:t>
+              <a:t>25/11/2019</a:t>
             </a:fld>
             <a:endParaRPr lang="en-AU"/>
           </a:p>
@@ -763,7 +765,7 @@
           <a:p>
             <a:fld id="{5A2ED83E-931A-4FCB-8301-2B58CB6354E4}" type="datetimeFigureOut">
               <a:rPr lang="en-AU" smtClean="0"/>
-              <a:t>15/08/2019</a:t>
+              <a:t>25/11/2019</a:t>
             </a:fld>
             <a:endParaRPr lang="en-AU"/>
           </a:p>
@@ -1009,7 +1011,7 @@
           <a:p>
             <a:fld id="{5A2ED83E-931A-4FCB-8301-2B58CB6354E4}" type="datetimeFigureOut">
               <a:rPr lang="en-AU" smtClean="0"/>
-              <a:t>15/08/2019</a:t>
+              <a:t>25/11/2019</a:t>
             </a:fld>
             <a:endParaRPr lang="en-AU"/>
           </a:p>
@@ -1241,7 +1243,7 @@
           <a:p>
             <a:fld id="{5A2ED83E-931A-4FCB-8301-2B58CB6354E4}" type="datetimeFigureOut">
               <a:rPr lang="en-AU" smtClean="0"/>
-              <a:t>15/08/2019</a:t>
+              <a:t>25/11/2019</a:t>
             </a:fld>
             <a:endParaRPr lang="en-AU"/>
           </a:p>
@@ -1608,7 +1610,7 @@
           <a:p>
             <a:fld id="{5A2ED83E-931A-4FCB-8301-2B58CB6354E4}" type="datetimeFigureOut">
               <a:rPr lang="en-AU" smtClean="0"/>
-              <a:t>15/08/2019</a:t>
+              <a:t>25/11/2019</a:t>
             </a:fld>
             <a:endParaRPr lang="en-AU"/>
           </a:p>
@@ -1726,7 +1728,7 @@
           <a:p>
             <a:fld id="{5A2ED83E-931A-4FCB-8301-2B58CB6354E4}" type="datetimeFigureOut">
               <a:rPr lang="en-AU" smtClean="0"/>
-              <a:t>15/08/2019</a:t>
+              <a:t>25/11/2019</a:t>
             </a:fld>
             <a:endParaRPr lang="en-AU"/>
           </a:p>
@@ -1821,7 +1823,7 @@
           <a:p>
             <a:fld id="{5A2ED83E-931A-4FCB-8301-2B58CB6354E4}" type="datetimeFigureOut">
               <a:rPr lang="en-AU" smtClean="0"/>
-              <a:t>15/08/2019</a:t>
+              <a:t>25/11/2019</a:t>
             </a:fld>
             <a:endParaRPr lang="en-AU"/>
           </a:p>
@@ -2098,7 +2100,7 @@
           <a:p>
             <a:fld id="{5A2ED83E-931A-4FCB-8301-2B58CB6354E4}" type="datetimeFigureOut">
               <a:rPr lang="en-AU" smtClean="0"/>
-              <a:t>15/08/2019</a:t>
+              <a:t>25/11/2019</a:t>
             </a:fld>
             <a:endParaRPr lang="en-AU"/>
           </a:p>
@@ -2351,7 +2353,7 @@
           <a:p>
             <a:fld id="{5A2ED83E-931A-4FCB-8301-2B58CB6354E4}" type="datetimeFigureOut">
               <a:rPr lang="en-AU" smtClean="0"/>
-              <a:t>15/08/2019</a:t>
+              <a:t>25/11/2019</a:t>
             </a:fld>
             <a:endParaRPr lang="en-AU"/>
           </a:p>
@@ -2564,7 +2566,7 @@
           <a:p>
             <a:fld id="{5A2ED83E-931A-4FCB-8301-2B58CB6354E4}" type="datetimeFigureOut">
               <a:rPr lang="en-AU" smtClean="0"/>
-              <a:t>15/08/2019</a:t>
+              <a:t>25/11/2019</a:t>
             </a:fld>
             <a:endParaRPr lang="en-AU"/>
           </a:p>
@@ -4615,6 +4617,3980 @@
     <p:extLst>
       <p:ext uri="{BB962C8B-B14F-4D97-AF65-F5344CB8AC3E}">
         <p14:creationId xmlns:p14="http://schemas.microsoft.com/office/powerpoint/2010/main" val="405497718"/>
+      </p:ext>
+    </p:extLst>
+  </p:cSld>
+  <p:clrMapOvr>
+    <a:masterClrMapping/>
+  </p:clrMapOvr>
+</p:sld>
+</file>
+
+<file path=ppt/slides/slide2.xml><?xml version="1.0" encoding="utf-8"?>
+<p:sld xmlns:a="http://schemas.openxmlformats.org/drawingml/2006/main" xmlns:r="http://schemas.openxmlformats.org/officeDocument/2006/relationships" xmlns:p="http://schemas.openxmlformats.org/presentationml/2006/main">
+  <p:cSld>
+    <p:spTree>
+      <p:nvGrpSpPr>
+        <p:cNvPr id="1" name=""/>
+        <p:cNvGrpSpPr/>
+        <p:nvPr/>
+      </p:nvGrpSpPr>
+      <p:grpSpPr>
+        <a:xfrm>
+          <a:off x="0" y="0"/>
+          <a:ext cx="0" cy="0"/>
+          <a:chOff x="0" y="0"/>
+          <a:chExt cx="0" cy="0"/>
+        </a:xfrm>
+      </p:grpSpPr>
+      <p:pic>
+        <p:nvPicPr>
+          <p:cNvPr id="3" name="Picture 2">
+            <a:extLst>
+              <a:ext uri="{FF2B5EF4-FFF2-40B4-BE49-F238E27FC236}">
+                <a16:creationId xmlns:a16="http://schemas.microsoft.com/office/drawing/2014/main" id="{E08F2115-5D18-44C9-837A-E31BF63F52BC}"/>
+              </a:ext>
+            </a:extLst>
+          </p:cNvPr>
+          <p:cNvPicPr>
+            <a:picLocks noChangeAspect="1"/>
+          </p:cNvPicPr>
+          <p:nvPr/>
+        </p:nvPicPr>
+        <p:blipFill rotWithShape="1">
+          <a:blip r:embed="rId2" cstate="print">
+            <a:extLst>
+              <a:ext uri="{28A0092B-C50C-407E-A947-70E740481C1C}">
+                <a14:useLocalDpi xmlns:a14="http://schemas.microsoft.com/office/drawing/2010/main" val="0"/>
+              </a:ext>
+            </a:extLst>
+          </a:blip>
+          <a:srcRect l="15637" t="34510" r="12929" b="35301"/>
+          <a:stretch/>
+        </p:blipFill>
+        <p:spPr>
+          <a:xfrm>
+            <a:off x="149463" y="992787"/>
+            <a:ext cx="11559151" cy="4884952"/>
+          </a:xfrm>
+          <a:prstGeom prst="rect">
+            <a:avLst/>
+          </a:prstGeom>
+        </p:spPr>
+      </p:pic>
+      <p:pic>
+        <p:nvPicPr>
+          <p:cNvPr id="68" name="Picture 67">
+            <a:extLst>
+              <a:ext uri="{FF2B5EF4-FFF2-40B4-BE49-F238E27FC236}">
+                <a16:creationId xmlns:a16="http://schemas.microsoft.com/office/drawing/2014/main" id="{AF5AC840-F4D0-415F-9B43-13FEB21FC9E6}"/>
+              </a:ext>
+            </a:extLst>
+          </p:cNvPr>
+          <p:cNvPicPr>
+            <a:picLocks noChangeAspect="1"/>
+          </p:cNvPicPr>
+          <p:nvPr/>
+        </p:nvPicPr>
+        <p:blipFill rotWithShape="1">
+          <a:blip r:embed="rId3" cstate="print">
+            <a:extLst>
+              <a:ext uri="{28A0092B-C50C-407E-A947-70E740481C1C}">
+                <a14:useLocalDpi xmlns:a14="http://schemas.microsoft.com/office/drawing/2010/main" val="0"/>
+              </a:ext>
+            </a:extLst>
+          </a:blip>
+          <a:srcRect l="46149" t="21223" r="50493" b="71769"/>
+          <a:stretch/>
+        </p:blipFill>
+        <p:spPr>
+          <a:xfrm>
+            <a:off x="4427129" y="2379186"/>
+            <a:ext cx="849876" cy="713276"/>
+          </a:xfrm>
+          <a:prstGeom prst="rect">
+            <a:avLst/>
+          </a:prstGeom>
+        </p:spPr>
+      </p:pic>
+      <p:cxnSp>
+        <p:nvCxnSpPr>
+          <p:cNvPr id="7" name="Straight Connector 6"/>
+          <p:cNvCxnSpPr>
+            <a:cxnSpLocks/>
+          </p:cNvCxnSpPr>
+          <p:nvPr/>
+        </p:nvCxnSpPr>
+        <p:spPr>
+          <a:xfrm flipH="1">
+            <a:off x="4396977" y="2006038"/>
+            <a:ext cx="1405654" cy="270924"/>
+          </a:xfrm>
+          <a:prstGeom prst="line">
+            <a:avLst/>
+          </a:prstGeom>
+          <a:ln w="19050">
+            <a:solidFill>
+              <a:schemeClr val="tx1"/>
+            </a:solidFill>
+          </a:ln>
+        </p:spPr>
+        <p:style>
+          <a:lnRef idx="1">
+            <a:schemeClr val="accent1"/>
+          </a:lnRef>
+          <a:fillRef idx="0">
+            <a:schemeClr val="accent1"/>
+          </a:fillRef>
+          <a:effectRef idx="0">
+            <a:schemeClr val="accent1"/>
+          </a:effectRef>
+          <a:fontRef idx="minor">
+            <a:schemeClr val="tx1"/>
+          </a:fontRef>
+        </p:style>
+      </p:cxnSp>
+      <p:cxnSp>
+        <p:nvCxnSpPr>
+          <p:cNvPr id="8" name="Straight Connector 7"/>
+          <p:cNvCxnSpPr>
+            <a:cxnSpLocks/>
+          </p:cNvCxnSpPr>
+          <p:nvPr/>
+        </p:nvCxnSpPr>
+        <p:spPr>
+          <a:xfrm flipH="1">
+            <a:off x="5320124" y="2378391"/>
+            <a:ext cx="615178" cy="925746"/>
+          </a:xfrm>
+          <a:prstGeom prst="line">
+            <a:avLst/>
+          </a:prstGeom>
+          <a:ln w="19050">
+            <a:solidFill>
+              <a:schemeClr val="tx1"/>
+            </a:solidFill>
+          </a:ln>
+        </p:spPr>
+        <p:style>
+          <a:lnRef idx="1">
+            <a:schemeClr val="accent1"/>
+          </a:lnRef>
+          <a:fillRef idx="0">
+            <a:schemeClr val="accent1"/>
+          </a:fillRef>
+          <a:effectRef idx="0">
+            <a:schemeClr val="accent1"/>
+          </a:effectRef>
+          <a:fontRef idx="minor">
+            <a:schemeClr val="tx1"/>
+          </a:fontRef>
+        </p:style>
+      </p:cxnSp>
+      <p:sp>
+        <p:nvSpPr>
+          <p:cNvPr id="9" name="TextBox 8"/>
+          <p:cNvSpPr txBox="1"/>
+          <p:nvPr/>
+        </p:nvSpPr>
+        <p:spPr>
+          <a:xfrm>
+            <a:off x="1582493" y="2429910"/>
+            <a:ext cx="320922" cy="307777"/>
+          </a:xfrm>
+          <a:prstGeom prst="rect">
+            <a:avLst/>
+          </a:prstGeom>
+          <a:noFill/>
+        </p:spPr>
+        <p:txBody>
+          <a:bodyPr wrap="none" rtlCol="0">
+            <a:spAutoFit/>
+          </a:bodyPr>
+          <a:lstStyle/>
+          <a:p>
+            <a:r>
+              <a:rPr lang="en-AU" sz="1400" dirty="0"/>
+              <a:t>1.</a:t>
+            </a:r>
+          </a:p>
+        </p:txBody>
+      </p:sp>
+      <p:cxnSp>
+        <p:nvCxnSpPr>
+          <p:cNvPr id="10" name="Straight Connector 9"/>
+          <p:cNvCxnSpPr>
+            <a:cxnSpLocks/>
+          </p:cNvCxnSpPr>
+          <p:nvPr/>
+        </p:nvCxnSpPr>
+        <p:spPr>
+          <a:xfrm flipH="1" flipV="1">
+            <a:off x="1804990" y="2587214"/>
+            <a:ext cx="245183" cy="138496"/>
+          </a:xfrm>
+          <a:prstGeom prst="line">
+            <a:avLst/>
+          </a:prstGeom>
+          <a:ln>
+            <a:solidFill>
+              <a:schemeClr val="tx1"/>
+            </a:solidFill>
+          </a:ln>
+        </p:spPr>
+        <p:style>
+          <a:lnRef idx="1">
+            <a:schemeClr val="accent1"/>
+          </a:lnRef>
+          <a:fillRef idx="0">
+            <a:schemeClr val="accent1"/>
+          </a:fillRef>
+          <a:effectRef idx="0">
+            <a:schemeClr val="accent1"/>
+          </a:effectRef>
+          <a:fontRef idx="minor">
+            <a:schemeClr val="tx1"/>
+          </a:fontRef>
+        </p:style>
+      </p:cxnSp>
+      <p:cxnSp>
+        <p:nvCxnSpPr>
+          <p:cNvPr id="11" name="Straight Connector 10"/>
+          <p:cNvCxnSpPr>
+            <a:cxnSpLocks/>
+          </p:cNvCxnSpPr>
+          <p:nvPr/>
+        </p:nvCxnSpPr>
+        <p:spPr>
+          <a:xfrm flipH="1">
+            <a:off x="1804990" y="2443255"/>
+            <a:ext cx="340835" cy="143959"/>
+          </a:xfrm>
+          <a:prstGeom prst="line">
+            <a:avLst/>
+          </a:prstGeom>
+          <a:ln>
+            <a:solidFill>
+              <a:schemeClr val="tx1"/>
+            </a:solidFill>
+          </a:ln>
+        </p:spPr>
+        <p:style>
+          <a:lnRef idx="1">
+            <a:schemeClr val="accent1"/>
+          </a:lnRef>
+          <a:fillRef idx="0">
+            <a:schemeClr val="accent1"/>
+          </a:fillRef>
+          <a:effectRef idx="0">
+            <a:schemeClr val="accent1"/>
+          </a:effectRef>
+          <a:fontRef idx="minor">
+            <a:schemeClr val="tx1"/>
+          </a:fontRef>
+        </p:style>
+      </p:cxnSp>
+      <p:cxnSp>
+        <p:nvCxnSpPr>
+          <p:cNvPr id="12" name="Straight Connector 11"/>
+          <p:cNvCxnSpPr>
+            <a:cxnSpLocks/>
+          </p:cNvCxnSpPr>
+          <p:nvPr/>
+        </p:nvCxnSpPr>
+        <p:spPr>
+          <a:xfrm flipH="1">
+            <a:off x="2383371" y="2443255"/>
+            <a:ext cx="372261" cy="77333"/>
+          </a:xfrm>
+          <a:prstGeom prst="line">
+            <a:avLst/>
+          </a:prstGeom>
+          <a:ln>
+            <a:solidFill>
+              <a:schemeClr val="tx1"/>
+            </a:solidFill>
+          </a:ln>
+        </p:spPr>
+        <p:style>
+          <a:lnRef idx="1">
+            <a:schemeClr val="accent1"/>
+          </a:lnRef>
+          <a:fillRef idx="0">
+            <a:schemeClr val="accent1"/>
+          </a:fillRef>
+          <a:effectRef idx="0">
+            <a:schemeClr val="accent1"/>
+          </a:effectRef>
+          <a:fontRef idx="minor">
+            <a:schemeClr val="tx1"/>
+          </a:fontRef>
+        </p:style>
+      </p:cxnSp>
+      <p:cxnSp>
+        <p:nvCxnSpPr>
+          <p:cNvPr id="13" name="Straight Connector 12"/>
+          <p:cNvCxnSpPr>
+            <a:cxnSpLocks/>
+          </p:cNvCxnSpPr>
+          <p:nvPr/>
+        </p:nvCxnSpPr>
+        <p:spPr>
+          <a:xfrm flipV="1">
+            <a:off x="2585120" y="2445674"/>
+            <a:ext cx="165796" cy="160217"/>
+          </a:xfrm>
+          <a:prstGeom prst="line">
+            <a:avLst/>
+          </a:prstGeom>
+          <a:ln>
+            <a:solidFill>
+              <a:schemeClr val="tx1"/>
+            </a:solidFill>
+          </a:ln>
+        </p:spPr>
+        <p:style>
+          <a:lnRef idx="1">
+            <a:schemeClr val="accent1"/>
+          </a:lnRef>
+          <a:fillRef idx="0">
+            <a:schemeClr val="accent1"/>
+          </a:fillRef>
+          <a:effectRef idx="0">
+            <a:schemeClr val="accent1"/>
+          </a:effectRef>
+          <a:fontRef idx="minor">
+            <a:schemeClr val="tx1"/>
+          </a:fontRef>
+        </p:style>
+      </p:cxnSp>
+      <p:cxnSp>
+        <p:nvCxnSpPr>
+          <p:cNvPr id="14" name="Straight Connector 13"/>
+          <p:cNvCxnSpPr>
+            <a:cxnSpLocks/>
+          </p:cNvCxnSpPr>
+          <p:nvPr/>
+        </p:nvCxnSpPr>
+        <p:spPr>
+          <a:xfrm flipH="1" flipV="1">
+            <a:off x="2871120" y="2429910"/>
+            <a:ext cx="378316" cy="336548"/>
+          </a:xfrm>
+          <a:prstGeom prst="line">
+            <a:avLst/>
+          </a:prstGeom>
+          <a:ln>
+            <a:solidFill>
+              <a:schemeClr val="tx1"/>
+            </a:solidFill>
+          </a:ln>
+        </p:spPr>
+        <p:style>
+          <a:lnRef idx="1">
+            <a:schemeClr val="accent1"/>
+          </a:lnRef>
+          <a:fillRef idx="0">
+            <a:schemeClr val="accent1"/>
+          </a:fillRef>
+          <a:effectRef idx="0">
+            <a:schemeClr val="accent1"/>
+          </a:effectRef>
+          <a:fontRef idx="minor">
+            <a:schemeClr val="tx1"/>
+          </a:fontRef>
+        </p:style>
+      </p:cxnSp>
+      <p:cxnSp>
+        <p:nvCxnSpPr>
+          <p:cNvPr id="15" name="Straight Connector 14"/>
+          <p:cNvCxnSpPr>
+            <a:cxnSpLocks/>
+          </p:cNvCxnSpPr>
+          <p:nvPr/>
+        </p:nvCxnSpPr>
+        <p:spPr>
+          <a:xfrm flipH="1" flipV="1">
+            <a:off x="2875334" y="2429910"/>
+            <a:ext cx="264021" cy="125436"/>
+          </a:xfrm>
+          <a:prstGeom prst="line">
+            <a:avLst/>
+          </a:prstGeom>
+          <a:ln>
+            <a:solidFill>
+              <a:schemeClr val="tx1"/>
+            </a:solidFill>
+          </a:ln>
+        </p:spPr>
+        <p:style>
+          <a:lnRef idx="1">
+            <a:schemeClr val="accent1"/>
+          </a:lnRef>
+          <a:fillRef idx="0">
+            <a:schemeClr val="accent1"/>
+          </a:fillRef>
+          <a:effectRef idx="0">
+            <a:schemeClr val="accent1"/>
+          </a:effectRef>
+          <a:fontRef idx="minor">
+            <a:schemeClr val="tx1"/>
+          </a:fontRef>
+        </p:style>
+      </p:cxnSp>
+      <p:sp>
+        <p:nvSpPr>
+          <p:cNvPr id="16" name="TextBox 15"/>
+          <p:cNvSpPr txBox="1"/>
+          <p:nvPr/>
+        </p:nvSpPr>
+        <p:spPr>
+          <a:xfrm>
+            <a:off x="3232761" y="2226973"/>
+            <a:ext cx="320922" cy="307777"/>
+          </a:xfrm>
+          <a:prstGeom prst="rect">
+            <a:avLst/>
+          </a:prstGeom>
+          <a:noFill/>
+        </p:spPr>
+        <p:txBody>
+          <a:bodyPr wrap="none" rtlCol="0">
+            <a:spAutoFit/>
+          </a:bodyPr>
+          <a:lstStyle/>
+          <a:p>
+            <a:r>
+              <a:rPr lang="en-AU" sz="1400" dirty="0"/>
+              <a:t>2.</a:t>
+            </a:r>
+          </a:p>
+        </p:txBody>
+      </p:sp>
+      <p:cxnSp>
+        <p:nvCxnSpPr>
+          <p:cNvPr id="17" name="Straight Connector 16"/>
+          <p:cNvCxnSpPr>
+            <a:cxnSpLocks/>
+          </p:cNvCxnSpPr>
+          <p:nvPr/>
+        </p:nvCxnSpPr>
+        <p:spPr>
+          <a:xfrm flipH="1">
+            <a:off x="3147683" y="2463882"/>
+            <a:ext cx="163013" cy="162549"/>
+          </a:xfrm>
+          <a:prstGeom prst="line">
+            <a:avLst/>
+          </a:prstGeom>
+          <a:ln>
+            <a:solidFill>
+              <a:schemeClr val="tx1"/>
+            </a:solidFill>
+          </a:ln>
+        </p:spPr>
+        <p:style>
+          <a:lnRef idx="1">
+            <a:schemeClr val="accent1"/>
+          </a:lnRef>
+          <a:fillRef idx="0">
+            <a:schemeClr val="accent1"/>
+          </a:fillRef>
+          <a:effectRef idx="0">
+            <a:schemeClr val="accent1"/>
+          </a:effectRef>
+          <a:fontRef idx="minor">
+            <a:schemeClr val="tx1"/>
+          </a:fontRef>
+        </p:style>
+      </p:cxnSp>
+      <p:sp>
+        <p:nvSpPr>
+          <p:cNvPr id="18" name="TextBox 17"/>
+          <p:cNvSpPr txBox="1"/>
+          <p:nvPr/>
+        </p:nvSpPr>
+        <p:spPr>
+          <a:xfrm>
+            <a:off x="3582699" y="2102437"/>
+            <a:ext cx="320922" cy="307777"/>
+          </a:xfrm>
+          <a:prstGeom prst="rect">
+            <a:avLst/>
+          </a:prstGeom>
+          <a:noFill/>
+        </p:spPr>
+        <p:txBody>
+          <a:bodyPr wrap="none" rtlCol="0">
+            <a:spAutoFit/>
+          </a:bodyPr>
+          <a:lstStyle/>
+          <a:p>
+            <a:r>
+              <a:rPr lang="en-AU" sz="1400" dirty="0"/>
+              <a:t>3.</a:t>
+            </a:r>
+          </a:p>
+        </p:txBody>
+      </p:sp>
+      <p:cxnSp>
+        <p:nvCxnSpPr>
+          <p:cNvPr id="19" name="Straight Connector 18"/>
+          <p:cNvCxnSpPr/>
+          <p:nvPr/>
+        </p:nvCxnSpPr>
+        <p:spPr>
+          <a:xfrm flipH="1">
+            <a:off x="3608789" y="2334812"/>
+            <a:ext cx="80566" cy="95098"/>
+          </a:xfrm>
+          <a:prstGeom prst="line">
+            <a:avLst/>
+          </a:prstGeom>
+          <a:ln>
+            <a:solidFill>
+              <a:schemeClr val="tx1"/>
+            </a:solidFill>
+          </a:ln>
+        </p:spPr>
+        <p:style>
+          <a:lnRef idx="1">
+            <a:schemeClr val="accent1"/>
+          </a:lnRef>
+          <a:fillRef idx="0">
+            <a:schemeClr val="accent1"/>
+          </a:fillRef>
+          <a:effectRef idx="0">
+            <a:schemeClr val="accent1"/>
+          </a:effectRef>
+          <a:fontRef idx="minor">
+            <a:schemeClr val="tx1"/>
+          </a:fontRef>
+        </p:style>
+      </p:cxnSp>
+      <p:sp>
+        <p:nvSpPr>
+          <p:cNvPr id="20" name="TextBox 19"/>
+          <p:cNvSpPr txBox="1"/>
+          <p:nvPr/>
+        </p:nvSpPr>
+        <p:spPr>
+          <a:xfrm>
+            <a:off x="3819637" y="2542209"/>
+            <a:ext cx="320922" cy="307777"/>
+          </a:xfrm>
+          <a:prstGeom prst="rect">
+            <a:avLst/>
+          </a:prstGeom>
+          <a:noFill/>
+        </p:spPr>
+        <p:txBody>
+          <a:bodyPr wrap="none" rtlCol="0">
+            <a:spAutoFit/>
+          </a:bodyPr>
+          <a:lstStyle/>
+          <a:p>
+            <a:r>
+              <a:rPr lang="en-AU" sz="1400" dirty="0"/>
+              <a:t>4.</a:t>
+            </a:r>
+          </a:p>
+        </p:txBody>
+      </p:sp>
+      <p:cxnSp>
+        <p:nvCxnSpPr>
+          <p:cNvPr id="21" name="Straight Connector 20"/>
+          <p:cNvCxnSpPr>
+            <a:cxnSpLocks/>
+          </p:cNvCxnSpPr>
+          <p:nvPr/>
+        </p:nvCxnSpPr>
+        <p:spPr>
+          <a:xfrm flipH="1" flipV="1">
+            <a:off x="3714159" y="2608520"/>
+            <a:ext cx="150710" cy="87577"/>
+          </a:xfrm>
+          <a:prstGeom prst="line">
+            <a:avLst/>
+          </a:prstGeom>
+          <a:ln>
+            <a:solidFill>
+              <a:schemeClr val="tx1"/>
+            </a:solidFill>
+          </a:ln>
+        </p:spPr>
+        <p:style>
+          <a:lnRef idx="1">
+            <a:schemeClr val="accent1"/>
+          </a:lnRef>
+          <a:fillRef idx="0">
+            <a:schemeClr val="accent1"/>
+          </a:fillRef>
+          <a:effectRef idx="0">
+            <a:schemeClr val="accent1"/>
+          </a:effectRef>
+          <a:fontRef idx="minor">
+            <a:schemeClr val="tx1"/>
+          </a:fontRef>
+        </p:style>
+      </p:cxnSp>
+      <p:sp>
+        <p:nvSpPr>
+          <p:cNvPr id="22" name="TextBox 21"/>
+          <p:cNvSpPr txBox="1"/>
+          <p:nvPr/>
+        </p:nvSpPr>
+        <p:spPr>
+          <a:xfrm>
+            <a:off x="4997863" y="2321376"/>
+            <a:ext cx="320922" cy="307777"/>
+          </a:xfrm>
+          <a:prstGeom prst="rect">
+            <a:avLst/>
+          </a:prstGeom>
+          <a:noFill/>
+        </p:spPr>
+        <p:txBody>
+          <a:bodyPr wrap="none" rtlCol="0">
+            <a:spAutoFit/>
+          </a:bodyPr>
+          <a:lstStyle/>
+          <a:p>
+            <a:r>
+              <a:rPr lang="en-AU" sz="1400" dirty="0"/>
+              <a:t>5.</a:t>
+            </a:r>
+          </a:p>
+        </p:txBody>
+      </p:sp>
+      <p:sp>
+        <p:nvSpPr>
+          <p:cNvPr id="23" name="TextBox 22"/>
+          <p:cNvSpPr txBox="1"/>
+          <p:nvPr/>
+        </p:nvSpPr>
+        <p:spPr>
+          <a:xfrm>
+            <a:off x="4352618" y="2366700"/>
+            <a:ext cx="320922" cy="307777"/>
+          </a:xfrm>
+          <a:prstGeom prst="rect">
+            <a:avLst/>
+          </a:prstGeom>
+          <a:noFill/>
+        </p:spPr>
+        <p:txBody>
+          <a:bodyPr wrap="none" rtlCol="0">
+            <a:spAutoFit/>
+          </a:bodyPr>
+          <a:lstStyle/>
+          <a:p>
+            <a:r>
+              <a:rPr lang="en-AU" sz="1400" dirty="0"/>
+              <a:t>9.</a:t>
+            </a:r>
+          </a:p>
+        </p:txBody>
+      </p:sp>
+      <p:sp>
+        <p:nvSpPr>
+          <p:cNvPr id="24" name="TextBox 23"/>
+          <p:cNvSpPr txBox="1"/>
+          <p:nvPr/>
+        </p:nvSpPr>
+        <p:spPr>
+          <a:xfrm>
+            <a:off x="4367755" y="2842495"/>
+            <a:ext cx="320922" cy="307777"/>
+          </a:xfrm>
+          <a:prstGeom prst="rect">
+            <a:avLst/>
+          </a:prstGeom>
+          <a:noFill/>
+        </p:spPr>
+        <p:txBody>
+          <a:bodyPr wrap="none" rtlCol="0">
+            <a:spAutoFit/>
+          </a:bodyPr>
+          <a:lstStyle/>
+          <a:p>
+            <a:r>
+              <a:rPr lang="en-AU" sz="1400" dirty="0"/>
+              <a:t>8.</a:t>
+            </a:r>
+          </a:p>
+        </p:txBody>
+      </p:sp>
+      <p:sp>
+        <p:nvSpPr>
+          <p:cNvPr id="25" name="TextBox 24"/>
+          <p:cNvSpPr txBox="1"/>
+          <p:nvPr/>
+        </p:nvSpPr>
+        <p:spPr>
+          <a:xfrm>
+            <a:off x="5073463" y="2497246"/>
+            <a:ext cx="320922" cy="307777"/>
+          </a:xfrm>
+          <a:prstGeom prst="rect">
+            <a:avLst/>
+          </a:prstGeom>
+          <a:noFill/>
+        </p:spPr>
+        <p:txBody>
+          <a:bodyPr wrap="none" rtlCol="0">
+            <a:spAutoFit/>
+          </a:bodyPr>
+          <a:lstStyle/>
+          <a:p>
+            <a:r>
+              <a:rPr lang="en-AU" sz="1400" dirty="0"/>
+              <a:t>6.</a:t>
+            </a:r>
+          </a:p>
+        </p:txBody>
+      </p:sp>
+      <p:sp>
+        <p:nvSpPr>
+          <p:cNvPr id="26" name="TextBox 25"/>
+          <p:cNvSpPr txBox="1"/>
+          <p:nvPr/>
+        </p:nvSpPr>
+        <p:spPr>
+          <a:xfrm>
+            <a:off x="5076334" y="3050511"/>
+            <a:ext cx="320922" cy="307777"/>
+          </a:xfrm>
+          <a:prstGeom prst="rect">
+            <a:avLst/>
+          </a:prstGeom>
+          <a:noFill/>
+        </p:spPr>
+        <p:txBody>
+          <a:bodyPr wrap="none" rtlCol="0">
+            <a:spAutoFit/>
+          </a:bodyPr>
+          <a:lstStyle/>
+          <a:p>
+            <a:r>
+              <a:rPr lang="en-AU" sz="1400" dirty="0"/>
+              <a:t>7.</a:t>
+            </a:r>
+          </a:p>
+        </p:txBody>
+      </p:sp>
+      <p:cxnSp>
+        <p:nvCxnSpPr>
+          <p:cNvPr id="27" name="Straight Connector 26"/>
+          <p:cNvCxnSpPr/>
+          <p:nvPr/>
+        </p:nvCxnSpPr>
+        <p:spPr>
+          <a:xfrm flipV="1">
+            <a:off x="4928051" y="2513101"/>
+            <a:ext cx="140170" cy="113330"/>
+          </a:xfrm>
+          <a:prstGeom prst="line">
+            <a:avLst/>
+          </a:prstGeom>
+          <a:ln>
+            <a:solidFill>
+              <a:schemeClr val="tx1"/>
+            </a:solidFill>
+          </a:ln>
+        </p:spPr>
+        <p:style>
+          <a:lnRef idx="1">
+            <a:schemeClr val="accent1"/>
+          </a:lnRef>
+          <a:fillRef idx="0">
+            <a:schemeClr val="accent1"/>
+          </a:fillRef>
+          <a:effectRef idx="0">
+            <a:schemeClr val="accent1"/>
+          </a:effectRef>
+          <a:fontRef idx="minor">
+            <a:schemeClr val="tx1"/>
+          </a:fontRef>
+        </p:style>
+      </p:cxnSp>
+      <p:cxnSp>
+        <p:nvCxnSpPr>
+          <p:cNvPr id="28" name="Straight Connector 27"/>
+          <p:cNvCxnSpPr>
+            <a:cxnSpLocks/>
+          </p:cNvCxnSpPr>
+          <p:nvPr/>
+        </p:nvCxnSpPr>
+        <p:spPr>
+          <a:xfrm flipV="1">
+            <a:off x="5194790" y="2725710"/>
+            <a:ext cx="16919" cy="99671"/>
+          </a:xfrm>
+          <a:prstGeom prst="line">
+            <a:avLst/>
+          </a:prstGeom>
+          <a:ln>
+            <a:solidFill>
+              <a:schemeClr val="tx1"/>
+            </a:solidFill>
+          </a:ln>
+        </p:spPr>
+        <p:style>
+          <a:lnRef idx="1">
+            <a:schemeClr val="accent1"/>
+          </a:lnRef>
+          <a:fillRef idx="0">
+            <a:schemeClr val="accent1"/>
+          </a:fillRef>
+          <a:effectRef idx="0">
+            <a:schemeClr val="accent1"/>
+          </a:effectRef>
+          <a:fontRef idx="minor">
+            <a:schemeClr val="tx1"/>
+          </a:fontRef>
+        </p:style>
+      </p:cxnSp>
+      <p:cxnSp>
+        <p:nvCxnSpPr>
+          <p:cNvPr id="29" name="Straight Connector 28"/>
+          <p:cNvCxnSpPr>
+            <a:cxnSpLocks/>
+          </p:cNvCxnSpPr>
+          <p:nvPr/>
+        </p:nvCxnSpPr>
+        <p:spPr>
+          <a:xfrm flipH="1" flipV="1">
+            <a:off x="5116191" y="2996383"/>
+            <a:ext cx="51848" cy="171374"/>
+          </a:xfrm>
+          <a:prstGeom prst="line">
+            <a:avLst/>
+          </a:prstGeom>
+          <a:ln>
+            <a:solidFill>
+              <a:schemeClr val="tx1"/>
+            </a:solidFill>
+          </a:ln>
+        </p:spPr>
+        <p:style>
+          <a:lnRef idx="1">
+            <a:schemeClr val="accent1"/>
+          </a:lnRef>
+          <a:fillRef idx="0">
+            <a:schemeClr val="accent1"/>
+          </a:fillRef>
+          <a:effectRef idx="0">
+            <a:schemeClr val="accent1"/>
+          </a:effectRef>
+          <a:fontRef idx="minor">
+            <a:schemeClr val="tx1"/>
+          </a:fontRef>
+        </p:style>
+      </p:cxnSp>
+      <p:cxnSp>
+        <p:nvCxnSpPr>
+          <p:cNvPr id="30" name="Straight Connector 29"/>
+          <p:cNvCxnSpPr>
+            <a:cxnSpLocks/>
+          </p:cNvCxnSpPr>
+          <p:nvPr/>
+        </p:nvCxnSpPr>
+        <p:spPr>
+          <a:xfrm flipV="1">
+            <a:off x="4577674" y="2863429"/>
+            <a:ext cx="395719" cy="150921"/>
+          </a:xfrm>
+          <a:prstGeom prst="line">
+            <a:avLst/>
+          </a:prstGeom>
+          <a:ln>
+            <a:solidFill>
+              <a:schemeClr val="tx1"/>
+            </a:solidFill>
+          </a:ln>
+        </p:spPr>
+        <p:style>
+          <a:lnRef idx="1">
+            <a:schemeClr val="accent1"/>
+          </a:lnRef>
+          <a:fillRef idx="0">
+            <a:schemeClr val="accent1"/>
+          </a:fillRef>
+          <a:effectRef idx="0">
+            <a:schemeClr val="accent1"/>
+          </a:effectRef>
+          <a:fontRef idx="minor">
+            <a:schemeClr val="tx1"/>
+          </a:fontRef>
+        </p:style>
+      </p:cxnSp>
+      <p:cxnSp>
+        <p:nvCxnSpPr>
+          <p:cNvPr id="31" name="Straight Connector 30"/>
+          <p:cNvCxnSpPr>
+            <a:cxnSpLocks/>
+          </p:cNvCxnSpPr>
+          <p:nvPr/>
+        </p:nvCxnSpPr>
+        <p:spPr>
+          <a:xfrm>
+            <a:off x="4578019" y="2577542"/>
+            <a:ext cx="273086" cy="207143"/>
+          </a:xfrm>
+          <a:prstGeom prst="line">
+            <a:avLst/>
+          </a:prstGeom>
+          <a:ln>
+            <a:solidFill>
+              <a:schemeClr val="tx1"/>
+            </a:solidFill>
+          </a:ln>
+        </p:spPr>
+        <p:style>
+          <a:lnRef idx="1">
+            <a:schemeClr val="accent1"/>
+          </a:lnRef>
+          <a:fillRef idx="0">
+            <a:schemeClr val="accent1"/>
+          </a:fillRef>
+          <a:effectRef idx="0">
+            <a:schemeClr val="accent1"/>
+          </a:effectRef>
+          <a:fontRef idx="minor">
+            <a:schemeClr val="tx1"/>
+          </a:fontRef>
+        </p:style>
+      </p:cxnSp>
+      <p:sp>
+        <p:nvSpPr>
+          <p:cNvPr id="32" name="TextBox 31"/>
+          <p:cNvSpPr txBox="1"/>
+          <p:nvPr/>
+        </p:nvSpPr>
+        <p:spPr>
+          <a:xfrm>
+            <a:off x="5830044" y="1660623"/>
+            <a:ext cx="412292" cy="307777"/>
+          </a:xfrm>
+          <a:prstGeom prst="rect">
+            <a:avLst/>
+          </a:prstGeom>
+          <a:noFill/>
+        </p:spPr>
+        <p:txBody>
+          <a:bodyPr wrap="none" rtlCol="0">
+            <a:spAutoFit/>
+          </a:bodyPr>
+          <a:lstStyle/>
+          <a:p>
+            <a:r>
+              <a:rPr lang="en-AU" sz="1400" dirty="0"/>
+              <a:t>10.</a:t>
+            </a:r>
+          </a:p>
+        </p:txBody>
+      </p:sp>
+      <p:cxnSp>
+        <p:nvCxnSpPr>
+          <p:cNvPr id="33" name="Straight Connector 32"/>
+          <p:cNvCxnSpPr>
+            <a:cxnSpLocks/>
+          </p:cNvCxnSpPr>
+          <p:nvPr/>
+        </p:nvCxnSpPr>
+        <p:spPr>
+          <a:xfrm flipH="1" flipV="1">
+            <a:off x="6033478" y="1900546"/>
+            <a:ext cx="295400" cy="240954"/>
+          </a:xfrm>
+          <a:prstGeom prst="line">
+            <a:avLst/>
+          </a:prstGeom>
+          <a:ln>
+            <a:solidFill>
+              <a:schemeClr val="tx1"/>
+            </a:solidFill>
+          </a:ln>
+        </p:spPr>
+        <p:style>
+          <a:lnRef idx="1">
+            <a:schemeClr val="accent1"/>
+          </a:lnRef>
+          <a:fillRef idx="0">
+            <a:schemeClr val="accent1"/>
+          </a:fillRef>
+          <a:effectRef idx="0">
+            <a:schemeClr val="accent1"/>
+          </a:effectRef>
+          <a:fontRef idx="minor">
+            <a:schemeClr val="tx1"/>
+          </a:fontRef>
+        </p:style>
+      </p:cxnSp>
+      <p:sp>
+        <p:nvSpPr>
+          <p:cNvPr id="34" name="TextBox 33"/>
+          <p:cNvSpPr txBox="1"/>
+          <p:nvPr/>
+        </p:nvSpPr>
+        <p:spPr>
+          <a:xfrm>
+            <a:off x="8859127" y="2300933"/>
+            <a:ext cx="663964" cy="307777"/>
+          </a:xfrm>
+          <a:prstGeom prst="rect">
+            <a:avLst/>
+          </a:prstGeom>
+          <a:noFill/>
+        </p:spPr>
+        <p:txBody>
+          <a:bodyPr wrap="none" rtlCol="0">
+            <a:spAutoFit/>
+          </a:bodyPr>
+          <a:lstStyle/>
+          <a:p>
+            <a:r>
+              <a:rPr lang="en-AU" sz="1400" dirty="0"/>
+              <a:t>11/18.</a:t>
+            </a:r>
+          </a:p>
+        </p:txBody>
+      </p:sp>
+      <p:sp>
+        <p:nvSpPr>
+          <p:cNvPr id="35" name="TextBox 34"/>
+          <p:cNvSpPr txBox="1"/>
+          <p:nvPr/>
+        </p:nvSpPr>
+        <p:spPr>
+          <a:xfrm>
+            <a:off x="10309541" y="2766458"/>
+            <a:ext cx="412292" cy="307777"/>
+          </a:xfrm>
+          <a:prstGeom prst="rect">
+            <a:avLst/>
+          </a:prstGeom>
+          <a:noFill/>
+        </p:spPr>
+        <p:txBody>
+          <a:bodyPr wrap="none" rtlCol="0">
+            <a:spAutoFit/>
+          </a:bodyPr>
+          <a:lstStyle/>
+          <a:p>
+            <a:r>
+              <a:rPr lang="en-AU" sz="1400" dirty="0"/>
+              <a:t>12.</a:t>
+            </a:r>
+          </a:p>
+        </p:txBody>
+      </p:sp>
+      <p:sp>
+        <p:nvSpPr>
+          <p:cNvPr id="36" name="TextBox 35"/>
+          <p:cNvSpPr txBox="1"/>
+          <p:nvPr/>
+        </p:nvSpPr>
+        <p:spPr>
+          <a:xfrm>
+            <a:off x="9711859" y="3121223"/>
+            <a:ext cx="412292" cy="307777"/>
+          </a:xfrm>
+          <a:prstGeom prst="rect">
+            <a:avLst/>
+          </a:prstGeom>
+          <a:noFill/>
+        </p:spPr>
+        <p:txBody>
+          <a:bodyPr wrap="none" rtlCol="0">
+            <a:spAutoFit/>
+          </a:bodyPr>
+          <a:lstStyle/>
+          <a:p>
+            <a:r>
+              <a:rPr lang="en-AU" sz="1400" dirty="0"/>
+              <a:t>13.</a:t>
+            </a:r>
+          </a:p>
+        </p:txBody>
+      </p:sp>
+      <p:sp>
+        <p:nvSpPr>
+          <p:cNvPr id="37" name="TextBox 36"/>
+          <p:cNvSpPr txBox="1"/>
+          <p:nvPr/>
+        </p:nvSpPr>
+        <p:spPr>
+          <a:xfrm>
+            <a:off x="9211506" y="3498360"/>
+            <a:ext cx="412292" cy="307777"/>
+          </a:xfrm>
+          <a:prstGeom prst="rect">
+            <a:avLst/>
+          </a:prstGeom>
+          <a:noFill/>
+        </p:spPr>
+        <p:txBody>
+          <a:bodyPr wrap="none" rtlCol="0">
+            <a:spAutoFit/>
+          </a:bodyPr>
+          <a:lstStyle/>
+          <a:p>
+            <a:r>
+              <a:rPr lang="en-AU" sz="1400" dirty="0"/>
+              <a:t>14.</a:t>
+            </a:r>
+          </a:p>
+        </p:txBody>
+      </p:sp>
+      <p:sp>
+        <p:nvSpPr>
+          <p:cNvPr id="38" name="TextBox 37"/>
+          <p:cNvSpPr txBox="1"/>
+          <p:nvPr/>
+        </p:nvSpPr>
+        <p:spPr>
+          <a:xfrm>
+            <a:off x="10836134" y="4534289"/>
+            <a:ext cx="412292" cy="307777"/>
+          </a:xfrm>
+          <a:prstGeom prst="rect">
+            <a:avLst/>
+          </a:prstGeom>
+          <a:noFill/>
+        </p:spPr>
+        <p:txBody>
+          <a:bodyPr wrap="none" rtlCol="0">
+            <a:spAutoFit/>
+          </a:bodyPr>
+          <a:lstStyle/>
+          <a:p>
+            <a:r>
+              <a:rPr lang="en-AU" sz="1400" dirty="0"/>
+              <a:t>15.</a:t>
+            </a:r>
+          </a:p>
+        </p:txBody>
+      </p:sp>
+      <p:sp>
+        <p:nvSpPr>
+          <p:cNvPr id="39" name="TextBox 38"/>
+          <p:cNvSpPr txBox="1"/>
+          <p:nvPr/>
+        </p:nvSpPr>
+        <p:spPr>
+          <a:xfrm>
+            <a:off x="10759432" y="4932279"/>
+            <a:ext cx="412292" cy="307777"/>
+          </a:xfrm>
+          <a:prstGeom prst="rect">
+            <a:avLst/>
+          </a:prstGeom>
+          <a:noFill/>
+        </p:spPr>
+        <p:txBody>
+          <a:bodyPr wrap="none" rtlCol="0">
+            <a:spAutoFit/>
+          </a:bodyPr>
+          <a:lstStyle/>
+          <a:p>
+            <a:r>
+              <a:rPr lang="en-AU" sz="1400" dirty="0"/>
+              <a:t>16.</a:t>
+            </a:r>
+          </a:p>
+        </p:txBody>
+      </p:sp>
+      <p:cxnSp>
+        <p:nvCxnSpPr>
+          <p:cNvPr id="40" name="Straight Connector 39"/>
+          <p:cNvCxnSpPr>
+            <a:cxnSpLocks/>
+          </p:cNvCxnSpPr>
+          <p:nvPr/>
+        </p:nvCxnSpPr>
+        <p:spPr>
+          <a:xfrm flipH="1" flipV="1">
+            <a:off x="9201790" y="2557176"/>
+            <a:ext cx="391609" cy="97431"/>
+          </a:xfrm>
+          <a:prstGeom prst="line">
+            <a:avLst/>
+          </a:prstGeom>
+          <a:ln>
+            <a:solidFill>
+              <a:schemeClr val="tx1"/>
+            </a:solidFill>
+          </a:ln>
+        </p:spPr>
+        <p:style>
+          <a:lnRef idx="1">
+            <a:schemeClr val="accent1"/>
+          </a:lnRef>
+          <a:fillRef idx="0">
+            <a:schemeClr val="accent1"/>
+          </a:fillRef>
+          <a:effectRef idx="0">
+            <a:schemeClr val="accent1"/>
+          </a:effectRef>
+          <a:fontRef idx="minor">
+            <a:schemeClr val="tx1"/>
+          </a:fontRef>
+        </p:style>
+      </p:cxnSp>
+      <p:cxnSp>
+        <p:nvCxnSpPr>
+          <p:cNvPr id="41" name="Straight Connector 40"/>
+          <p:cNvCxnSpPr>
+            <a:cxnSpLocks/>
+          </p:cNvCxnSpPr>
+          <p:nvPr/>
+        </p:nvCxnSpPr>
+        <p:spPr>
+          <a:xfrm flipH="1" flipV="1">
+            <a:off x="10235184" y="2841264"/>
+            <a:ext cx="155206" cy="86671"/>
+          </a:xfrm>
+          <a:prstGeom prst="line">
+            <a:avLst/>
+          </a:prstGeom>
+          <a:ln>
+            <a:solidFill>
+              <a:schemeClr val="tx1"/>
+            </a:solidFill>
+          </a:ln>
+        </p:spPr>
+        <p:style>
+          <a:lnRef idx="1">
+            <a:schemeClr val="accent1"/>
+          </a:lnRef>
+          <a:fillRef idx="0">
+            <a:schemeClr val="accent1"/>
+          </a:fillRef>
+          <a:effectRef idx="0">
+            <a:schemeClr val="accent1"/>
+          </a:effectRef>
+          <a:fontRef idx="minor">
+            <a:schemeClr val="tx1"/>
+          </a:fontRef>
+        </p:style>
+      </p:cxnSp>
+      <p:cxnSp>
+        <p:nvCxnSpPr>
+          <p:cNvPr id="42" name="Straight Connector 41"/>
+          <p:cNvCxnSpPr>
+            <a:cxnSpLocks/>
+          </p:cNvCxnSpPr>
+          <p:nvPr/>
+        </p:nvCxnSpPr>
+        <p:spPr>
+          <a:xfrm flipH="1" flipV="1">
+            <a:off x="9593399" y="3204399"/>
+            <a:ext cx="219272" cy="70713"/>
+          </a:xfrm>
+          <a:prstGeom prst="line">
+            <a:avLst/>
+          </a:prstGeom>
+          <a:ln>
+            <a:solidFill>
+              <a:schemeClr val="tx1"/>
+            </a:solidFill>
+          </a:ln>
+        </p:spPr>
+        <p:style>
+          <a:lnRef idx="1">
+            <a:schemeClr val="accent1"/>
+          </a:lnRef>
+          <a:fillRef idx="0">
+            <a:schemeClr val="accent1"/>
+          </a:fillRef>
+          <a:effectRef idx="0">
+            <a:schemeClr val="accent1"/>
+          </a:effectRef>
+          <a:fontRef idx="minor">
+            <a:schemeClr val="tx1"/>
+          </a:fontRef>
+        </p:style>
+      </p:cxnSp>
+      <p:cxnSp>
+        <p:nvCxnSpPr>
+          <p:cNvPr id="43" name="Straight Connector 42"/>
+          <p:cNvCxnSpPr>
+            <a:cxnSpLocks/>
+          </p:cNvCxnSpPr>
+          <p:nvPr/>
+        </p:nvCxnSpPr>
+        <p:spPr>
+          <a:xfrm flipH="1">
+            <a:off x="9231564" y="3746542"/>
+            <a:ext cx="186088" cy="119190"/>
+          </a:xfrm>
+          <a:prstGeom prst="line">
+            <a:avLst/>
+          </a:prstGeom>
+          <a:ln>
+            <a:solidFill>
+              <a:schemeClr val="tx1"/>
+            </a:solidFill>
+          </a:ln>
+        </p:spPr>
+        <p:style>
+          <a:lnRef idx="1">
+            <a:schemeClr val="accent1"/>
+          </a:lnRef>
+          <a:fillRef idx="0">
+            <a:schemeClr val="accent1"/>
+          </a:fillRef>
+          <a:effectRef idx="0">
+            <a:schemeClr val="accent1"/>
+          </a:effectRef>
+          <a:fontRef idx="minor">
+            <a:schemeClr val="tx1"/>
+          </a:fontRef>
+        </p:style>
+      </p:cxnSp>
+      <p:cxnSp>
+        <p:nvCxnSpPr>
+          <p:cNvPr id="44" name="Straight Connector 43"/>
+          <p:cNvCxnSpPr/>
+          <p:nvPr/>
+        </p:nvCxnSpPr>
+        <p:spPr>
+          <a:xfrm flipH="1">
+            <a:off x="10778983" y="4688177"/>
+            <a:ext cx="155873" cy="73909"/>
+          </a:xfrm>
+          <a:prstGeom prst="line">
+            <a:avLst/>
+          </a:prstGeom>
+          <a:ln>
+            <a:solidFill>
+              <a:schemeClr val="tx1"/>
+            </a:solidFill>
+          </a:ln>
+        </p:spPr>
+        <p:style>
+          <a:lnRef idx="1">
+            <a:schemeClr val="accent1"/>
+          </a:lnRef>
+          <a:fillRef idx="0">
+            <a:schemeClr val="accent1"/>
+          </a:fillRef>
+          <a:effectRef idx="0">
+            <a:schemeClr val="accent1"/>
+          </a:effectRef>
+          <a:fontRef idx="minor">
+            <a:schemeClr val="tx1"/>
+          </a:fontRef>
+        </p:style>
+      </p:cxnSp>
+      <p:cxnSp>
+        <p:nvCxnSpPr>
+          <p:cNvPr id="45" name="Straight Connector 44"/>
+          <p:cNvCxnSpPr/>
+          <p:nvPr/>
+        </p:nvCxnSpPr>
+        <p:spPr>
+          <a:xfrm flipH="1" flipV="1">
+            <a:off x="10721833" y="4972101"/>
+            <a:ext cx="114301" cy="114067"/>
+          </a:xfrm>
+          <a:prstGeom prst="line">
+            <a:avLst/>
+          </a:prstGeom>
+          <a:ln>
+            <a:solidFill>
+              <a:schemeClr val="tx1"/>
+            </a:solidFill>
+          </a:ln>
+        </p:spPr>
+        <p:style>
+          <a:lnRef idx="1">
+            <a:schemeClr val="accent1"/>
+          </a:lnRef>
+          <a:fillRef idx="0">
+            <a:schemeClr val="accent1"/>
+          </a:fillRef>
+          <a:effectRef idx="0">
+            <a:schemeClr val="accent1"/>
+          </a:effectRef>
+          <a:fontRef idx="minor">
+            <a:schemeClr val="tx1"/>
+          </a:fontRef>
+        </p:style>
+      </p:cxnSp>
+      <p:sp>
+        <p:nvSpPr>
+          <p:cNvPr id="46" name="Rectangle 45"/>
+          <p:cNvSpPr/>
+          <p:nvPr/>
+        </p:nvSpPr>
+        <p:spPr>
+          <a:xfrm>
+            <a:off x="4396977" y="2282215"/>
+            <a:ext cx="917905" cy="1021922"/>
+          </a:xfrm>
+          <a:prstGeom prst="rect">
+            <a:avLst/>
+          </a:prstGeom>
+          <a:noFill/>
+          <a:ln>
+            <a:solidFill>
+              <a:schemeClr val="tx1"/>
+            </a:solidFill>
+          </a:ln>
+        </p:spPr>
+        <p:style>
+          <a:lnRef idx="2">
+            <a:schemeClr val="accent1">
+              <a:shade val="50000"/>
+            </a:schemeClr>
+          </a:lnRef>
+          <a:fillRef idx="1">
+            <a:schemeClr val="accent1"/>
+          </a:fillRef>
+          <a:effectRef idx="0">
+            <a:schemeClr val="accent1"/>
+          </a:effectRef>
+          <a:fontRef idx="minor">
+            <a:schemeClr val="lt1"/>
+          </a:fontRef>
+        </p:style>
+        <p:txBody>
+          <a:bodyPr rtlCol="0" anchor="ctr"/>
+          <a:lstStyle/>
+          <a:p>
+            <a:pPr algn="ctr"/>
+            <a:endParaRPr lang="en-AU"/>
+          </a:p>
+        </p:txBody>
+      </p:sp>
+      <p:sp>
+        <p:nvSpPr>
+          <p:cNvPr id="52" name="TextBox 51"/>
+          <p:cNvSpPr txBox="1"/>
+          <p:nvPr/>
+        </p:nvSpPr>
+        <p:spPr>
+          <a:xfrm>
+            <a:off x="2667543" y="2282215"/>
+            <a:ext cx="320922" cy="307777"/>
+          </a:xfrm>
+          <a:prstGeom prst="rect">
+            <a:avLst/>
+          </a:prstGeom>
+          <a:noFill/>
+        </p:spPr>
+        <p:txBody>
+          <a:bodyPr wrap="none" rtlCol="0">
+            <a:spAutoFit/>
+          </a:bodyPr>
+          <a:lstStyle/>
+          <a:p>
+            <a:r>
+              <a:rPr lang="en-AU" sz="1400" dirty="0"/>
+              <a:t>1.</a:t>
+            </a:r>
+          </a:p>
+        </p:txBody>
+      </p:sp>
+      <p:cxnSp>
+        <p:nvCxnSpPr>
+          <p:cNvPr id="59" name="Straight Connector 58"/>
+          <p:cNvCxnSpPr>
+            <a:cxnSpLocks/>
+          </p:cNvCxnSpPr>
+          <p:nvPr/>
+        </p:nvCxnSpPr>
+        <p:spPr>
+          <a:xfrm flipH="1" flipV="1">
+            <a:off x="1810284" y="2583910"/>
+            <a:ext cx="736513" cy="164344"/>
+          </a:xfrm>
+          <a:prstGeom prst="line">
+            <a:avLst/>
+          </a:prstGeom>
+          <a:ln>
+            <a:solidFill>
+              <a:schemeClr val="tx1"/>
+            </a:solidFill>
+          </a:ln>
+        </p:spPr>
+        <p:style>
+          <a:lnRef idx="1">
+            <a:schemeClr val="accent1"/>
+          </a:lnRef>
+          <a:fillRef idx="0">
+            <a:schemeClr val="accent1"/>
+          </a:fillRef>
+          <a:effectRef idx="0">
+            <a:schemeClr val="accent1"/>
+          </a:effectRef>
+          <a:fontRef idx="minor">
+            <a:schemeClr val="tx1"/>
+          </a:fontRef>
+        </p:style>
+      </p:cxnSp>
+      <p:cxnSp>
+        <p:nvCxnSpPr>
+          <p:cNvPr id="57" name="Straight Connector 56">
+            <a:extLst>
+              <a:ext uri="{FF2B5EF4-FFF2-40B4-BE49-F238E27FC236}">
+                <a16:creationId xmlns:a16="http://schemas.microsoft.com/office/drawing/2014/main" id="{D9B2B397-9782-4277-97B7-5813BE5D6242}"/>
+              </a:ext>
+            </a:extLst>
+          </p:cNvPr>
+          <p:cNvCxnSpPr>
+            <a:cxnSpLocks/>
+          </p:cNvCxnSpPr>
+          <p:nvPr/>
+        </p:nvCxnSpPr>
+        <p:spPr>
+          <a:xfrm flipH="1" flipV="1">
+            <a:off x="1720514" y="2353490"/>
+            <a:ext cx="331269" cy="47548"/>
+          </a:xfrm>
+          <a:prstGeom prst="line">
+            <a:avLst/>
+          </a:prstGeom>
+          <a:ln>
+            <a:solidFill>
+              <a:schemeClr val="tx1"/>
+            </a:solidFill>
+          </a:ln>
+        </p:spPr>
+        <p:style>
+          <a:lnRef idx="1">
+            <a:schemeClr val="accent1"/>
+          </a:lnRef>
+          <a:fillRef idx="0">
+            <a:schemeClr val="accent1"/>
+          </a:fillRef>
+          <a:effectRef idx="0">
+            <a:schemeClr val="accent1"/>
+          </a:effectRef>
+          <a:fontRef idx="minor">
+            <a:schemeClr val="tx1"/>
+          </a:fontRef>
+        </p:style>
+      </p:cxnSp>
+      <p:sp>
+        <p:nvSpPr>
+          <p:cNvPr id="60" name="TextBox 59">
+            <a:extLst>
+              <a:ext uri="{FF2B5EF4-FFF2-40B4-BE49-F238E27FC236}">
+                <a16:creationId xmlns:a16="http://schemas.microsoft.com/office/drawing/2014/main" id="{CB43C09F-4CF1-4BA2-9832-3969752F0C29}"/>
+              </a:ext>
+            </a:extLst>
+          </p:cNvPr>
+          <p:cNvSpPr txBox="1"/>
+          <p:nvPr/>
+        </p:nvSpPr>
+        <p:spPr>
+          <a:xfrm>
+            <a:off x="1425588" y="2189469"/>
+            <a:ext cx="412292" cy="307777"/>
+          </a:xfrm>
+          <a:prstGeom prst="rect">
+            <a:avLst/>
+          </a:prstGeom>
+          <a:noFill/>
+        </p:spPr>
+        <p:txBody>
+          <a:bodyPr wrap="none" rtlCol="0">
+            <a:spAutoFit/>
+          </a:bodyPr>
+          <a:lstStyle/>
+          <a:p>
+            <a:r>
+              <a:rPr lang="en-AU" sz="1400" dirty="0"/>
+              <a:t>19.</a:t>
+            </a:r>
+          </a:p>
+        </p:txBody>
+      </p:sp>
+      <p:cxnSp>
+        <p:nvCxnSpPr>
+          <p:cNvPr id="76" name="Straight Connector 75">
+            <a:extLst>
+              <a:ext uri="{FF2B5EF4-FFF2-40B4-BE49-F238E27FC236}">
+                <a16:creationId xmlns:a16="http://schemas.microsoft.com/office/drawing/2014/main" id="{4BD26B63-A3E4-4186-8944-DE77C5AADC6A}"/>
+              </a:ext>
+            </a:extLst>
+          </p:cNvPr>
+          <p:cNvCxnSpPr>
+            <a:cxnSpLocks/>
+          </p:cNvCxnSpPr>
+          <p:nvPr/>
+        </p:nvCxnSpPr>
+        <p:spPr>
+          <a:xfrm flipH="1" flipV="1">
+            <a:off x="5727615" y="1878179"/>
+            <a:ext cx="453563" cy="398783"/>
+          </a:xfrm>
+          <a:prstGeom prst="line">
+            <a:avLst/>
+          </a:prstGeom>
+          <a:ln>
+            <a:solidFill>
+              <a:schemeClr val="tx1"/>
+            </a:solidFill>
+          </a:ln>
+        </p:spPr>
+        <p:style>
+          <a:lnRef idx="1">
+            <a:schemeClr val="accent1"/>
+          </a:lnRef>
+          <a:fillRef idx="0">
+            <a:schemeClr val="accent1"/>
+          </a:fillRef>
+          <a:effectRef idx="0">
+            <a:schemeClr val="accent1"/>
+          </a:effectRef>
+          <a:fontRef idx="minor">
+            <a:schemeClr val="tx1"/>
+          </a:fontRef>
+        </p:style>
+      </p:cxnSp>
+      <p:sp>
+        <p:nvSpPr>
+          <p:cNvPr id="78" name="TextBox 77">
+            <a:extLst>
+              <a:ext uri="{FF2B5EF4-FFF2-40B4-BE49-F238E27FC236}">
+                <a16:creationId xmlns:a16="http://schemas.microsoft.com/office/drawing/2014/main" id="{A212F4E7-20DA-471F-A86B-C9DACC1E8C0F}"/>
+              </a:ext>
+            </a:extLst>
+          </p:cNvPr>
+          <p:cNvSpPr txBox="1"/>
+          <p:nvPr/>
+        </p:nvSpPr>
+        <p:spPr>
+          <a:xfrm>
+            <a:off x="5474802" y="1641251"/>
+            <a:ext cx="412292" cy="307777"/>
+          </a:xfrm>
+          <a:prstGeom prst="rect">
+            <a:avLst/>
+          </a:prstGeom>
+          <a:noFill/>
+        </p:spPr>
+        <p:txBody>
+          <a:bodyPr wrap="none" rtlCol="0">
+            <a:spAutoFit/>
+          </a:bodyPr>
+          <a:lstStyle/>
+          <a:p>
+            <a:r>
+              <a:rPr lang="en-AU" sz="1400" dirty="0"/>
+              <a:t>17.</a:t>
+            </a:r>
+          </a:p>
+        </p:txBody>
+      </p:sp>
+      <p:sp>
+        <p:nvSpPr>
+          <p:cNvPr id="53" name="TextBox 52">
+            <a:extLst>
+              <a:ext uri="{FF2B5EF4-FFF2-40B4-BE49-F238E27FC236}">
+                <a16:creationId xmlns:a16="http://schemas.microsoft.com/office/drawing/2014/main" id="{D5B6B45A-777A-4CB5-A262-5C74C5D5D269}"/>
+              </a:ext>
+            </a:extLst>
+          </p:cNvPr>
+          <p:cNvSpPr txBox="1"/>
+          <p:nvPr/>
+        </p:nvSpPr>
+        <p:spPr>
+          <a:xfrm>
+            <a:off x="1297345" y="1981810"/>
+            <a:ext cx="412292" cy="307777"/>
+          </a:xfrm>
+          <a:prstGeom prst="rect">
+            <a:avLst/>
+          </a:prstGeom>
+          <a:noFill/>
+        </p:spPr>
+        <p:txBody>
+          <a:bodyPr wrap="none" rtlCol="0">
+            <a:spAutoFit/>
+          </a:bodyPr>
+          <a:lstStyle/>
+          <a:p>
+            <a:r>
+              <a:rPr lang="en-AU" sz="1400" dirty="0"/>
+              <a:t>20.</a:t>
+            </a:r>
+          </a:p>
+        </p:txBody>
+      </p:sp>
+      <p:cxnSp>
+        <p:nvCxnSpPr>
+          <p:cNvPr id="54" name="Straight Connector 53">
+            <a:extLst>
+              <a:ext uri="{FF2B5EF4-FFF2-40B4-BE49-F238E27FC236}">
+                <a16:creationId xmlns:a16="http://schemas.microsoft.com/office/drawing/2014/main" id="{B1C2CBBF-8068-4338-B627-42C6C075A79A}"/>
+              </a:ext>
+            </a:extLst>
+          </p:cNvPr>
+          <p:cNvCxnSpPr>
+            <a:cxnSpLocks/>
+          </p:cNvCxnSpPr>
+          <p:nvPr/>
+        </p:nvCxnSpPr>
+        <p:spPr>
+          <a:xfrm flipH="1" flipV="1">
+            <a:off x="1620256" y="2149191"/>
+            <a:ext cx="345867" cy="157236"/>
+          </a:xfrm>
+          <a:prstGeom prst="line">
+            <a:avLst/>
+          </a:prstGeom>
+          <a:ln>
+            <a:solidFill>
+              <a:schemeClr val="tx1"/>
+            </a:solidFill>
+          </a:ln>
+        </p:spPr>
+        <p:style>
+          <a:lnRef idx="1">
+            <a:schemeClr val="accent1"/>
+          </a:lnRef>
+          <a:fillRef idx="0">
+            <a:schemeClr val="accent1"/>
+          </a:fillRef>
+          <a:effectRef idx="0">
+            <a:schemeClr val="accent1"/>
+          </a:effectRef>
+          <a:fontRef idx="minor">
+            <a:schemeClr val="tx1"/>
+          </a:fontRef>
+        </p:style>
+      </p:cxnSp>
+      <p:sp>
+        <p:nvSpPr>
+          <p:cNvPr id="64" name="TextBox 63">
+            <a:extLst>
+              <a:ext uri="{FF2B5EF4-FFF2-40B4-BE49-F238E27FC236}">
+                <a16:creationId xmlns:a16="http://schemas.microsoft.com/office/drawing/2014/main" id="{9FAE3991-4325-4780-874D-00C59CDAD84F}"/>
+              </a:ext>
+            </a:extLst>
+          </p:cNvPr>
+          <p:cNvSpPr txBox="1"/>
+          <p:nvPr/>
+        </p:nvSpPr>
+        <p:spPr>
+          <a:xfrm>
+            <a:off x="2681287" y="2607664"/>
+            <a:ext cx="412292" cy="307777"/>
+          </a:xfrm>
+          <a:prstGeom prst="rect">
+            <a:avLst/>
+          </a:prstGeom>
+          <a:noFill/>
+        </p:spPr>
+        <p:txBody>
+          <a:bodyPr wrap="none" rtlCol="0">
+            <a:spAutoFit/>
+          </a:bodyPr>
+          <a:lstStyle/>
+          <a:p>
+            <a:r>
+              <a:rPr lang="en-AU" sz="1400" dirty="0"/>
+              <a:t>22.</a:t>
+            </a:r>
+          </a:p>
+        </p:txBody>
+      </p:sp>
+      <p:cxnSp>
+        <p:nvCxnSpPr>
+          <p:cNvPr id="65" name="Straight Connector 64">
+            <a:extLst>
+              <a:ext uri="{FF2B5EF4-FFF2-40B4-BE49-F238E27FC236}">
+                <a16:creationId xmlns:a16="http://schemas.microsoft.com/office/drawing/2014/main" id="{B38CC1DC-D80F-4012-B286-DCFC614D1B2B}"/>
+              </a:ext>
+            </a:extLst>
+          </p:cNvPr>
+          <p:cNvCxnSpPr>
+            <a:cxnSpLocks/>
+          </p:cNvCxnSpPr>
+          <p:nvPr/>
+        </p:nvCxnSpPr>
+        <p:spPr>
+          <a:xfrm>
+            <a:off x="2608219" y="2666082"/>
+            <a:ext cx="170611" cy="100714"/>
+          </a:xfrm>
+          <a:prstGeom prst="line">
+            <a:avLst/>
+          </a:prstGeom>
+          <a:ln>
+            <a:solidFill>
+              <a:schemeClr val="tx1"/>
+            </a:solidFill>
+          </a:ln>
+        </p:spPr>
+        <p:style>
+          <a:lnRef idx="1">
+            <a:schemeClr val="accent1"/>
+          </a:lnRef>
+          <a:fillRef idx="0">
+            <a:schemeClr val="accent1"/>
+          </a:fillRef>
+          <a:effectRef idx="0">
+            <a:schemeClr val="accent1"/>
+          </a:effectRef>
+          <a:fontRef idx="minor">
+            <a:schemeClr val="tx1"/>
+          </a:fontRef>
+        </p:style>
+      </p:cxnSp>
+      <p:sp>
+        <p:nvSpPr>
+          <p:cNvPr id="70" name="TextBox 69">
+            <a:extLst>
+              <a:ext uri="{FF2B5EF4-FFF2-40B4-BE49-F238E27FC236}">
+                <a16:creationId xmlns:a16="http://schemas.microsoft.com/office/drawing/2014/main" id="{EC577A0F-5BD2-43B2-8DCD-4CA0BCF26553}"/>
+              </a:ext>
+            </a:extLst>
+          </p:cNvPr>
+          <p:cNvSpPr txBox="1"/>
+          <p:nvPr/>
+        </p:nvSpPr>
+        <p:spPr>
+          <a:xfrm>
+            <a:off x="3542667" y="2674477"/>
+            <a:ext cx="412292" cy="307777"/>
+          </a:xfrm>
+          <a:prstGeom prst="rect">
+            <a:avLst/>
+          </a:prstGeom>
+          <a:noFill/>
+        </p:spPr>
+        <p:txBody>
+          <a:bodyPr wrap="none" rtlCol="0">
+            <a:spAutoFit/>
+          </a:bodyPr>
+          <a:lstStyle/>
+          <a:p>
+            <a:r>
+              <a:rPr lang="en-AU" sz="1400" dirty="0"/>
+              <a:t>21.</a:t>
+            </a:r>
+          </a:p>
+        </p:txBody>
+      </p:sp>
+      <p:cxnSp>
+        <p:nvCxnSpPr>
+          <p:cNvPr id="71" name="Straight Connector 70">
+            <a:extLst>
+              <a:ext uri="{FF2B5EF4-FFF2-40B4-BE49-F238E27FC236}">
+                <a16:creationId xmlns:a16="http://schemas.microsoft.com/office/drawing/2014/main" id="{FCE2858E-487B-4032-A231-A904645E2D9E}"/>
+              </a:ext>
+            </a:extLst>
+          </p:cNvPr>
+          <p:cNvCxnSpPr/>
+          <p:nvPr/>
+        </p:nvCxnSpPr>
+        <p:spPr>
+          <a:xfrm flipH="1" flipV="1">
+            <a:off x="3503937" y="2674044"/>
+            <a:ext cx="122279" cy="139735"/>
+          </a:xfrm>
+          <a:prstGeom prst="line">
+            <a:avLst/>
+          </a:prstGeom>
+          <a:ln>
+            <a:solidFill>
+              <a:schemeClr val="tx1"/>
+            </a:solidFill>
+          </a:ln>
+        </p:spPr>
+        <p:style>
+          <a:lnRef idx="1">
+            <a:schemeClr val="accent1"/>
+          </a:lnRef>
+          <a:fillRef idx="0">
+            <a:schemeClr val="accent1"/>
+          </a:fillRef>
+          <a:effectRef idx="0">
+            <a:schemeClr val="accent1"/>
+          </a:effectRef>
+          <a:fontRef idx="minor">
+            <a:schemeClr val="tx1"/>
+          </a:fontRef>
+        </p:style>
+      </p:cxnSp>
+    </p:spTree>
+    <p:extLst>
+      <p:ext uri="{BB962C8B-B14F-4D97-AF65-F5344CB8AC3E}">
+        <p14:creationId xmlns:p14="http://schemas.microsoft.com/office/powerpoint/2010/main" val="3972354938"/>
+      </p:ext>
+    </p:extLst>
+  </p:cSld>
+  <p:clrMapOvr>
+    <a:masterClrMapping/>
+  </p:clrMapOvr>
+</p:sld>
+</file>
+
+<file path=ppt/slides/slide3.xml><?xml version="1.0" encoding="utf-8"?>
+<p:sld xmlns:a="http://schemas.openxmlformats.org/drawingml/2006/main" xmlns:r="http://schemas.openxmlformats.org/officeDocument/2006/relationships" xmlns:p="http://schemas.openxmlformats.org/presentationml/2006/main">
+  <p:cSld>
+    <p:spTree>
+      <p:nvGrpSpPr>
+        <p:cNvPr id="1" name=""/>
+        <p:cNvGrpSpPr/>
+        <p:nvPr/>
+      </p:nvGrpSpPr>
+      <p:grpSpPr>
+        <a:xfrm>
+          <a:off x="0" y="0"/>
+          <a:ext cx="0" cy="0"/>
+          <a:chOff x="0" y="0"/>
+          <a:chExt cx="0" cy="0"/>
+        </a:xfrm>
+      </p:grpSpPr>
+      <p:pic>
+        <p:nvPicPr>
+          <p:cNvPr id="6" name="Picture 5">
+            <a:extLst>
+              <a:ext uri="{FF2B5EF4-FFF2-40B4-BE49-F238E27FC236}">
+                <a16:creationId xmlns:a16="http://schemas.microsoft.com/office/drawing/2014/main" id="{A928ECB4-A6E2-445B-A13B-1EC5DFA00CCC}"/>
+              </a:ext>
+            </a:extLst>
+          </p:cNvPr>
+          <p:cNvPicPr>
+            <a:picLocks noChangeAspect="1"/>
+          </p:cNvPicPr>
+          <p:nvPr/>
+        </p:nvPicPr>
+        <p:blipFill rotWithShape="1">
+          <a:blip r:embed="rId2" cstate="print">
+            <a:extLst>
+              <a:ext uri="{28A0092B-C50C-407E-A947-70E740481C1C}">
+                <a14:useLocalDpi xmlns:a14="http://schemas.microsoft.com/office/drawing/2010/main" val="0"/>
+              </a:ext>
+            </a:extLst>
+          </a:blip>
+          <a:srcRect l="15870" t="34318" r="12797" b="35144"/>
+          <a:stretch/>
+        </p:blipFill>
+        <p:spPr>
+          <a:xfrm>
+            <a:off x="234950" y="967122"/>
+            <a:ext cx="11410950" cy="4885200"/>
+          </a:xfrm>
+          <a:prstGeom prst="rect">
+            <a:avLst/>
+          </a:prstGeom>
+        </p:spPr>
+      </p:pic>
+      <p:pic>
+        <p:nvPicPr>
+          <p:cNvPr id="68" name="Picture 67">
+            <a:extLst>
+              <a:ext uri="{FF2B5EF4-FFF2-40B4-BE49-F238E27FC236}">
+                <a16:creationId xmlns:a16="http://schemas.microsoft.com/office/drawing/2014/main" id="{AF5AC840-F4D0-415F-9B43-13FEB21FC9E6}"/>
+              </a:ext>
+            </a:extLst>
+          </p:cNvPr>
+          <p:cNvPicPr>
+            <a:picLocks noChangeAspect="1"/>
+          </p:cNvPicPr>
+          <p:nvPr/>
+        </p:nvPicPr>
+        <p:blipFill rotWithShape="1">
+          <a:blip r:embed="rId3" cstate="print">
+            <a:extLst>
+              <a:ext uri="{28A0092B-C50C-407E-A947-70E740481C1C}">
+                <a14:useLocalDpi xmlns:a14="http://schemas.microsoft.com/office/drawing/2010/main" val="0"/>
+              </a:ext>
+            </a:extLst>
+          </a:blip>
+          <a:srcRect l="46149" t="21223" r="50493" b="71769"/>
+          <a:stretch/>
+        </p:blipFill>
+        <p:spPr>
+          <a:xfrm>
+            <a:off x="4427129" y="2379186"/>
+            <a:ext cx="849876" cy="713276"/>
+          </a:xfrm>
+          <a:prstGeom prst="rect">
+            <a:avLst/>
+          </a:prstGeom>
+        </p:spPr>
+      </p:pic>
+      <p:cxnSp>
+        <p:nvCxnSpPr>
+          <p:cNvPr id="7" name="Straight Connector 6"/>
+          <p:cNvCxnSpPr>
+            <a:cxnSpLocks/>
+          </p:cNvCxnSpPr>
+          <p:nvPr/>
+        </p:nvCxnSpPr>
+        <p:spPr>
+          <a:xfrm flipH="1">
+            <a:off x="4396977" y="2006038"/>
+            <a:ext cx="1405654" cy="270924"/>
+          </a:xfrm>
+          <a:prstGeom prst="line">
+            <a:avLst/>
+          </a:prstGeom>
+          <a:ln w="19050">
+            <a:solidFill>
+              <a:schemeClr val="tx1"/>
+            </a:solidFill>
+          </a:ln>
+        </p:spPr>
+        <p:style>
+          <a:lnRef idx="1">
+            <a:schemeClr val="accent1"/>
+          </a:lnRef>
+          <a:fillRef idx="0">
+            <a:schemeClr val="accent1"/>
+          </a:fillRef>
+          <a:effectRef idx="0">
+            <a:schemeClr val="accent1"/>
+          </a:effectRef>
+          <a:fontRef idx="minor">
+            <a:schemeClr val="tx1"/>
+          </a:fontRef>
+        </p:style>
+      </p:cxnSp>
+      <p:cxnSp>
+        <p:nvCxnSpPr>
+          <p:cNvPr id="8" name="Straight Connector 7"/>
+          <p:cNvCxnSpPr>
+            <a:cxnSpLocks/>
+          </p:cNvCxnSpPr>
+          <p:nvPr/>
+        </p:nvCxnSpPr>
+        <p:spPr>
+          <a:xfrm flipH="1">
+            <a:off x="5320124" y="2378391"/>
+            <a:ext cx="615178" cy="925746"/>
+          </a:xfrm>
+          <a:prstGeom prst="line">
+            <a:avLst/>
+          </a:prstGeom>
+          <a:ln w="19050">
+            <a:solidFill>
+              <a:schemeClr val="tx1"/>
+            </a:solidFill>
+          </a:ln>
+        </p:spPr>
+        <p:style>
+          <a:lnRef idx="1">
+            <a:schemeClr val="accent1"/>
+          </a:lnRef>
+          <a:fillRef idx="0">
+            <a:schemeClr val="accent1"/>
+          </a:fillRef>
+          <a:effectRef idx="0">
+            <a:schemeClr val="accent1"/>
+          </a:effectRef>
+          <a:fontRef idx="minor">
+            <a:schemeClr val="tx1"/>
+          </a:fontRef>
+        </p:style>
+      </p:cxnSp>
+      <p:sp>
+        <p:nvSpPr>
+          <p:cNvPr id="9" name="TextBox 8"/>
+          <p:cNvSpPr txBox="1"/>
+          <p:nvPr/>
+        </p:nvSpPr>
+        <p:spPr>
+          <a:xfrm>
+            <a:off x="1582493" y="2429910"/>
+            <a:ext cx="320922" cy="307777"/>
+          </a:xfrm>
+          <a:prstGeom prst="rect">
+            <a:avLst/>
+          </a:prstGeom>
+          <a:noFill/>
+        </p:spPr>
+        <p:txBody>
+          <a:bodyPr wrap="none" rtlCol="0">
+            <a:spAutoFit/>
+          </a:bodyPr>
+          <a:lstStyle/>
+          <a:p>
+            <a:r>
+              <a:rPr lang="en-AU" sz="1400" dirty="0"/>
+              <a:t>1.</a:t>
+            </a:r>
+          </a:p>
+        </p:txBody>
+      </p:sp>
+      <p:cxnSp>
+        <p:nvCxnSpPr>
+          <p:cNvPr id="10" name="Straight Connector 9"/>
+          <p:cNvCxnSpPr>
+            <a:cxnSpLocks/>
+          </p:cNvCxnSpPr>
+          <p:nvPr/>
+        </p:nvCxnSpPr>
+        <p:spPr>
+          <a:xfrm flipH="1" flipV="1">
+            <a:off x="1804990" y="2587214"/>
+            <a:ext cx="245183" cy="138496"/>
+          </a:xfrm>
+          <a:prstGeom prst="line">
+            <a:avLst/>
+          </a:prstGeom>
+          <a:ln>
+            <a:solidFill>
+              <a:schemeClr val="tx1"/>
+            </a:solidFill>
+          </a:ln>
+        </p:spPr>
+        <p:style>
+          <a:lnRef idx="1">
+            <a:schemeClr val="accent1"/>
+          </a:lnRef>
+          <a:fillRef idx="0">
+            <a:schemeClr val="accent1"/>
+          </a:fillRef>
+          <a:effectRef idx="0">
+            <a:schemeClr val="accent1"/>
+          </a:effectRef>
+          <a:fontRef idx="minor">
+            <a:schemeClr val="tx1"/>
+          </a:fontRef>
+        </p:style>
+      </p:cxnSp>
+      <p:cxnSp>
+        <p:nvCxnSpPr>
+          <p:cNvPr id="11" name="Straight Connector 10"/>
+          <p:cNvCxnSpPr>
+            <a:cxnSpLocks/>
+          </p:cNvCxnSpPr>
+          <p:nvPr/>
+        </p:nvCxnSpPr>
+        <p:spPr>
+          <a:xfrm flipH="1">
+            <a:off x="1804990" y="2443255"/>
+            <a:ext cx="340835" cy="143959"/>
+          </a:xfrm>
+          <a:prstGeom prst="line">
+            <a:avLst/>
+          </a:prstGeom>
+          <a:ln>
+            <a:solidFill>
+              <a:schemeClr val="tx1"/>
+            </a:solidFill>
+          </a:ln>
+        </p:spPr>
+        <p:style>
+          <a:lnRef idx="1">
+            <a:schemeClr val="accent1"/>
+          </a:lnRef>
+          <a:fillRef idx="0">
+            <a:schemeClr val="accent1"/>
+          </a:fillRef>
+          <a:effectRef idx="0">
+            <a:schemeClr val="accent1"/>
+          </a:effectRef>
+          <a:fontRef idx="minor">
+            <a:schemeClr val="tx1"/>
+          </a:fontRef>
+        </p:style>
+      </p:cxnSp>
+      <p:cxnSp>
+        <p:nvCxnSpPr>
+          <p:cNvPr id="12" name="Straight Connector 11"/>
+          <p:cNvCxnSpPr>
+            <a:cxnSpLocks/>
+          </p:cNvCxnSpPr>
+          <p:nvPr/>
+        </p:nvCxnSpPr>
+        <p:spPr>
+          <a:xfrm flipH="1">
+            <a:off x="2383371" y="2443255"/>
+            <a:ext cx="372261" cy="77333"/>
+          </a:xfrm>
+          <a:prstGeom prst="line">
+            <a:avLst/>
+          </a:prstGeom>
+          <a:ln>
+            <a:solidFill>
+              <a:schemeClr val="tx1"/>
+            </a:solidFill>
+          </a:ln>
+        </p:spPr>
+        <p:style>
+          <a:lnRef idx="1">
+            <a:schemeClr val="accent1"/>
+          </a:lnRef>
+          <a:fillRef idx="0">
+            <a:schemeClr val="accent1"/>
+          </a:fillRef>
+          <a:effectRef idx="0">
+            <a:schemeClr val="accent1"/>
+          </a:effectRef>
+          <a:fontRef idx="minor">
+            <a:schemeClr val="tx1"/>
+          </a:fontRef>
+        </p:style>
+      </p:cxnSp>
+      <p:cxnSp>
+        <p:nvCxnSpPr>
+          <p:cNvPr id="13" name="Straight Connector 12"/>
+          <p:cNvCxnSpPr>
+            <a:cxnSpLocks/>
+          </p:cNvCxnSpPr>
+          <p:nvPr/>
+        </p:nvCxnSpPr>
+        <p:spPr>
+          <a:xfrm flipV="1">
+            <a:off x="2585120" y="2445674"/>
+            <a:ext cx="165796" cy="160217"/>
+          </a:xfrm>
+          <a:prstGeom prst="line">
+            <a:avLst/>
+          </a:prstGeom>
+          <a:ln>
+            <a:solidFill>
+              <a:schemeClr val="tx1"/>
+            </a:solidFill>
+          </a:ln>
+        </p:spPr>
+        <p:style>
+          <a:lnRef idx="1">
+            <a:schemeClr val="accent1"/>
+          </a:lnRef>
+          <a:fillRef idx="0">
+            <a:schemeClr val="accent1"/>
+          </a:fillRef>
+          <a:effectRef idx="0">
+            <a:schemeClr val="accent1"/>
+          </a:effectRef>
+          <a:fontRef idx="minor">
+            <a:schemeClr val="tx1"/>
+          </a:fontRef>
+        </p:style>
+      </p:cxnSp>
+      <p:cxnSp>
+        <p:nvCxnSpPr>
+          <p:cNvPr id="14" name="Straight Connector 13"/>
+          <p:cNvCxnSpPr>
+            <a:cxnSpLocks/>
+          </p:cNvCxnSpPr>
+          <p:nvPr/>
+        </p:nvCxnSpPr>
+        <p:spPr>
+          <a:xfrm flipH="1" flipV="1">
+            <a:off x="2871120" y="2429910"/>
+            <a:ext cx="378316" cy="336548"/>
+          </a:xfrm>
+          <a:prstGeom prst="line">
+            <a:avLst/>
+          </a:prstGeom>
+          <a:ln>
+            <a:solidFill>
+              <a:schemeClr val="tx1"/>
+            </a:solidFill>
+          </a:ln>
+        </p:spPr>
+        <p:style>
+          <a:lnRef idx="1">
+            <a:schemeClr val="accent1"/>
+          </a:lnRef>
+          <a:fillRef idx="0">
+            <a:schemeClr val="accent1"/>
+          </a:fillRef>
+          <a:effectRef idx="0">
+            <a:schemeClr val="accent1"/>
+          </a:effectRef>
+          <a:fontRef idx="minor">
+            <a:schemeClr val="tx1"/>
+          </a:fontRef>
+        </p:style>
+      </p:cxnSp>
+      <p:cxnSp>
+        <p:nvCxnSpPr>
+          <p:cNvPr id="15" name="Straight Connector 14"/>
+          <p:cNvCxnSpPr>
+            <a:cxnSpLocks/>
+          </p:cNvCxnSpPr>
+          <p:nvPr/>
+        </p:nvCxnSpPr>
+        <p:spPr>
+          <a:xfrm flipH="1" flipV="1">
+            <a:off x="2875334" y="2429910"/>
+            <a:ext cx="264021" cy="125436"/>
+          </a:xfrm>
+          <a:prstGeom prst="line">
+            <a:avLst/>
+          </a:prstGeom>
+          <a:ln>
+            <a:solidFill>
+              <a:schemeClr val="tx1"/>
+            </a:solidFill>
+          </a:ln>
+        </p:spPr>
+        <p:style>
+          <a:lnRef idx="1">
+            <a:schemeClr val="accent1"/>
+          </a:lnRef>
+          <a:fillRef idx="0">
+            <a:schemeClr val="accent1"/>
+          </a:fillRef>
+          <a:effectRef idx="0">
+            <a:schemeClr val="accent1"/>
+          </a:effectRef>
+          <a:fontRef idx="minor">
+            <a:schemeClr val="tx1"/>
+          </a:fontRef>
+        </p:style>
+      </p:cxnSp>
+      <p:sp>
+        <p:nvSpPr>
+          <p:cNvPr id="16" name="TextBox 15"/>
+          <p:cNvSpPr txBox="1"/>
+          <p:nvPr/>
+        </p:nvSpPr>
+        <p:spPr>
+          <a:xfrm>
+            <a:off x="3232761" y="2226973"/>
+            <a:ext cx="320922" cy="307777"/>
+          </a:xfrm>
+          <a:prstGeom prst="rect">
+            <a:avLst/>
+          </a:prstGeom>
+          <a:noFill/>
+        </p:spPr>
+        <p:txBody>
+          <a:bodyPr wrap="none" rtlCol="0">
+            <a:spAutoFit/>
+          </a:bodyPr>
+          <a:lstStyle/>
+          <a:p>
+            <a:r>
+              <a:rPr lang="en-AU" sz="1400" dirty="0"/>
+              <a:t>2.</a:t>
+            </a:r>
+          </a:p>
+        </p:txBody>
+      </p:sp>
+      <p:cxnSp>
+        <p:nvCxnSpPr>
+          <p:cNvPr id="17" name="Straight Connector 16"/>
+          <p:cNvCxnSpPr>
+            <a:cxnSpLocks/>
+          </p:cNvCxnSpPr>
+          <p:nvPr/>
+        </p:nvCxnSpPr>
+        <p:spPr>
+          <a:xfrm flipH="1">
+            <a:off x="3147683" y="2463882"/>
+            <a:ext cx="163013" cy="162549"/>
+          </a:xfrm>
+          <a:prstGeom prst="line">
+            <a:avLst/>
+          </a:prstGeom>
+          <a:ln>
+            <a:solidFill>
+              <a:schemeClr val="tx1"/>
+            </a:solidFill>
+          </a:ln>
+        </p:spPr>
+        <p:style>
+          <a:lnRef idx="1">
+            <a:schemeClr val="accent1"/>
+          </a:lnRef>
+          <a:fillRef idx="0">
+            <a:schemeClr val="accent1"/>
+          </a:fillRef>
+          <a:effectRef idx="0">
+            <a:schemeClr val="accent1"/>
+          </a:effectRef>
+          <a:fontRef idx="minor">
+            <a:schemeClr val="tx1"/>
+          </a:fontRef>
+        </p:style>
+      </p:cxnSp>
+      <p:sp>
+        <p:nvSpPr>
+          <p:cNvPr id="18" name="TextBox 17"/>
+          <p:cNvSpPr txBox="1"/>
+          <p:nvPr/>
+        </p:nvSpPr>
+        <p:spPr>
+          <a:xfrm>
+            <a:off x="3582699" y="2102437"/>
+            <a:ext cx="320922" cy="307777"/>
+          </a:xfrm>
+          <a:prstGeom prst="rect">
+            <a:avLst/>
+          </a:prstGeom>
+          <a:noFill/>
+        </p:spPr>
+        <p:txBody>
+          <a:bodyPr wrap="none" rtlCol="0">
+            <a:spAutoFit/>
+          </a:bodyPr>
+          <a:lstStyle/>
+          <a:p>
+            <a:r>
+              <a:rPr lang="en-AU" sz="1400" dirty="0"/>
+              <a:t>3.</a:t>
+            </a:r>
+          </a:p>
+        </p:txBody>
+      </p:sp>
+      <p:cxnSp>
+        <p:nvCxnSpPr>
+          <p:cNvPr id="19" name="Straight Connector 18"/>
+          <p:cNvCxnSpPr/>
+          <p:nvPr/>
+        </p:nvCxnSpPr>
+        <p:spPr>
+          <a:xfrm flipH="1">
+            <a:off x="3608789" y="2334812"/>
+            <a:ext cx="80566" cy="95098"/>
+          </a:xfrm>
+          <a:prstGeom prst="line">
+            <a:avLst/>
+          </a:prstGeom>
+          <a:ln>
+            <a:solidFill>
+              <a:schemeClr val="tx1"/>
+            </a:solidFill>
+          </a:ln>
+        </p:spPr>
+        <p:style>
+          <a:lnRef idx="1">
+            <a:schemeClr val="accent1"/>
+          </a:lnRef>
+          <a:fillRef idx="0">
+            <a:schemeClr val="accent1"/>
+          </a:fillRef>
+          <a:effectRef idx="0">
+            <a:schemeClr val="accent1"/>
+          </a:effectRef>
+          <a:fontRef idx="minor">
+            <a:schemeClr val="tx1"/>
+          </a:fontRef>
+        </p:style>
+      </p:cxnSp>
+      <p:sp>
+        <p:nvSpPr>
+          <p:cNvPr id="20" name="TextBox 19"/>
+          <p:cNvSpPr txBox="1"/>
+          <p:nvPr/>
+        </p:nvSpPr>
+        <p:spPr>
+          <a:xfrm>
+            <a:off x="3819637" y="2542209"/>
+            <a:ext cx="320922" cy="307777"/>
+          </a:xfrm>
+          <a:prstGeom prst="rect">
+            <a:avLst/>
+          </a:prstGeom>
+          <a:noFill/>
+        </p:spPr>
+        <p:txBody>
+          <a:bodyPr wrap="none" rtlCol="0">
+            <a:spAutoFit/>
+          </a:bodyPr>
+          <a:lstStyle/>
+          <a:p>
+            <a:r>
+              <a:rPr lang="en-AU" sz="1400" dirty="0"/>
+              <a:t>4.</a:t>
+            </a:r>
+          </a:p>
+        </p:txBody>
+      </p:sp>
+      <p:cxnSp>
+        <p:nvCxnSpPr>
+          <p:cNvPr id="21" name="Straight Connector 20"/>
+          <p:cNvCxnSpPr>
+            <a:cxnSpLocks/>
+          </p:cNvCxnSpPr>
+          <p:nvPr/>
+        </p:nvCxnSpPr>
+        <p:spPr>
+          <a:xfrm flipH="1" flipV="1">
+            <a:off x="3689355" y="2583910"/>
+            <a:ext cx="175514" cy="112188"/>
+          </a:xfrm>
+          <a:prstGeom prst="line">
+            <a:avLst/>
+          </a:prstGeom>
+          <a:ln>
+            <a:solidFill>
+              <a:schemeClr val="tx1"/>
+            </a:solidFill>
+          </a:ln>
+        </p:spPr>
+        <p:style>
+          <a:lnRef idx="1">
+            <a:schemeClr val="accent1"/>
+          </a:lnRef>
+          <a:fillRef idx="0">
+            <a:schemeClr val="accent1"/>
+          </a:fillRef>
+          <a:effectRef idx="0">
+            <a:schemeClr val="accent1"/>
+          </a:effectRef>
+          <a:fontRef idx="minor">
+            <a:schemeClr val="tx1"/>
+          </a:fontRef>
+        </p:style>
+      </p:cxnSp>
+      <p:sp>
+        <p:nvSpPr>
+          <p:cNvPr id="22" name="TextBox 21"/>
+          <p:cNvSpPr txBox="1"/>
+          <p:nvPr/>
+        </p:nvSpPr>
+        <p:spPr>
+          <a:xfrm>
+            <a:off x="4997863" y="2321376"/>
+            <a:ext cx="320922" cy="307777"/>
+          </a:xfrm>
+          <a:prstGeom prst="rect">
+            <a:avLst/>
+          </a:prstGeom>
+          <a:noFill/>
+        </p:spPr>
+        <p:txBody>
+          <a:bodyPr wrap="none" rtlCol="0">
+            <a:spAutoFit/>
+          </a:bodyPr>
+          <a:lstStyle/>
+          <a:p>
+            <a:r>
+              <a:rPr lang="en-AU" sz="1400" dirty="0"/>
+              <a:t>5.</a:t>
+            </a:r>
+          </a:p>
+        </p:txBody>
+      </p:sp>
+      <p:sp>
+        <p:nvSpPr>
+          <p:cNvPr id="23" name="TextBox 22"/>
+          <p:cNvSpPr txBox="1"/>
+          <p:nvPr/>
+        </p:nvSpPr>
+        <p:spPr>
+          <a:xfrm>
+            <a:off x="4352618" y="2366700"/>
+            <a:ext cx="320922" cy="307777"/>
+          </a:xfrm>
+          <a:prstGeom prst="rect">
+            <a:avLst/>
+          </a:prstGeom>
+          <a:noFill/>
+        </p:spPr>
+        <p:txBody>
+          <a:bodyPr wrap="none" rtlCol="0">
+            <a:spAutoFit/>
+          </a:bodyPr>
+          <a:lstStyle/>
+          <a:p>
+            <a:r>
+              <a:rPr lang="en-AU" sz="1400" dirty="0"/>
+              <a:t>9.</a:t>
+            </a:r>
+          </a:p>
+        </p:txBody>
+      </p:sp>
+      <p:sp>
+        <p:nvSpPr>
+          <p:cNvPr id="24" name="TextBox 23"/>
+          <p:cNvSpPr txBox="1"/>
+          <p:nvPr/>
+        </p:nvSpPr>
+        <p:spPr>
+          <a:xfrm>
+            <a:off x="4367755" y="2842495"/>
+            <a:ext cx="320922" cy="307777"/>
+          </a:xfrm>
+          <a:prstGeom prst="rect">
+            <a:avLst/>
+          </a:prstGeom>
+          <a:noFill/>
+        </p:spPr>
+        <p:txBody>
+          <a:bodyPr wrap="none" rtlCol="0">
+            <a:spAutoFit/>
+          </a:bodyPr>
+          <a:lstStyle/>
+          <a:p>
+            <a:r>
+              <a:rPr lang="en-AU" sz="1400" dirty="0"/>
+              <a:t>8.</a:t>
+            </a:r>
+          </a:p>
+        </p:txBody>
+      </p:sp>
+      <p:sp>
+        <p:nvSpPr>
+          <p:cNvPr id="25" name="TextBox 24"/>
+          <p:cNvSpPr txBox="1"/>
+          <p:nvPr/>
+        </p:nvSpPr>
+        <p:spPr>
+          <a:xfrm>
+            <a:off x="5073463" y="2497246"/>
+            <a:ext cx="320922" cy="307777"/>
+          </a:xfrm>
+          <a:prstGeom prst="rect">
+            <a:avLst/>
+          </a:prstGeom>
+          <a:noFill/>
+        </p:spPr>
+        <p:txBody>
+          <a:bodyPr wrap="none" rtlCol="0">
+            <a:spAutoFit/>
+          </a:bodyPr>
+          <a:lstStyle/>
+          <a:p>
+            <a:r>
+              <a:rPr lang="en-AU" sz="1400" dirty="0"/>
+              <a:t>6.</a:t>
+            </a:r>
+          </a:p>
+        </p:txBody>
+      </p:sp>
+      <p:sp>
+        <p:nvSpPr>
+          <p:cNvPr id="26" name="TextBox 25"/>
+          <p:cNvSpPr txBox="1"/>
+          <p:nvPr/>
+        </p:nvSpPr>
+        <p:spPr>
+          <a:xfrm>
+            <a:off x="5076334" y="3050511"/>
+            <a:ext cx="320922" cy="307777"/>
+          </a:xfrm>
+          <a:prstGeom prst="rect">
+            <a:avLst/>
+          </a:prstGeom>
+          <a:noFill/>
+        </p:spPr>
+        <p:txBody>
+          <a:bodyPr wrap="none" rtlCol="0">
+            <a:spAutoFit/>
+          </a:bodyPr>
+          <a:lstStyle/>
+          <a:p>
+            <a:r>
+              <a:rPr lang="en-AU" sz="1400" dirty="0"/>
+              <a:t>7.</a:t>
+            </a:r>
+          </a:p>
+        </p:txBody>
+      </p:sp>
+      <p:cxnSp>
+        <p:nvCxnSpPr>
+          <p:cNvPr id="27" name="Straight Connector 26"/>
+          <p:cNvCxnSpPr/>
+          <p:nvPr/>
+        </p:nvCxnSpPr>
+        <p:spPr>
+          <a:xfrm flipV="1">
+            <a:off x="4928051" y="2513101"/>
+            <a:ext cx="140170" cy="113330"/>
+          </a:xfrm>
+          <a:prstGeom prst="line">
+            <a:avLst/>
+          </a:prstGeom>
+          <a:ln>
+            <a:solidFill>
+              <a:schemeClr val="tx1"/>
+            </a:solidFill>
+          </a:ln>
+        </p:spPr>
+        <p:style>
+          <a:lnRef idx="1">
+            <a:schemeClr val="accent1"/>
+          </a:lnRef>
+          <a:fillRef idx="0">
+            <a:schemeClr val="accent1"/>
+          </a:fillRef>
+          <a:effectRef idx="0">
+            <a:schemeClr val="accent1"/>
+          </a:effectRef>
+          <a:fontRef idx="minor">
+            <a:schemeClr val="tx1"/>
+          </a:fontRef>
+        </p:style>
+      </p:cxnSp>
+      <p:cxnSp>
+        <p:nvCxnSpPr>
+          <p:cNvPr id="28" name="Straight Connector 27"/>
+          <p:cNvCxnSpPr>
+            <a:cxnSpLocks/>
+          </p:cNvCxnSpPr>
+          <p:nvPr/>
+        </p:nvCxnSpPr>
+        <p:spPr>
+          <a:xfrm flipV="1">
+            <a:off x="5194790" y="2725710"/>
+            <a:ext cx="16919" cy="99671"/>
+          </a:xfrm>
+          <a:prstGeom prst="line">
+            <a:avLst/>
+          </a:prstGeom>
+          <a:ln>
+            <a:solidFill>
+              <a:schemeClr val="tx1"/>
+            </a:solidFill>
+          </a:ln>
+        </p:spPr>
+        <p:style>
+          <a:lnRef idx="1">
+            <a:schemeClr val="accent1"/>
+          </a:lnRef>
+          <a:fillRef idx="0">
+            <a:schemeClr val="accent1"/>
+          </a:fillRef>
+          <a:effectRef idx="0">
+            <a:schemeClr val="accent1"/>
+          </a:effectRef>
+          <a:fontRef idx="minor">
+            <a:schemeClr val="tx1"/>
+          </a:fontRef>
+        </p:style>
+      </p:cxnSp>
+      <p:cxnSp>
+        <p:nvCxnSpPr>
+          <p:cNvPr id="29" name="Straight Connector 28"/>
+          <p:cNvCxnSpPr>
+            <a:cxnSpLocks/>
+          </p:cNvCxnSpPr>
+          <p:nvPr/>
+        </p:nvCxnSpPr>
+        <p:spPr>
+          <a:xfrm flipH="1" flipV="1">
+            <a:off x="5116191" y="2996383"/>
+            <a:ext cx="51848" cy="171374"/>
+          </a:xfrm>
+          <a:prstGeom prst="line">
+            <a:avLst/>
+          </a:prstGeom>
+          <a:ln>
+            <a:solidFill>
+              <a:schemeClr val="tx1"/>
+            </a:solidFill>
+          </a:ln>
+        </p:spPr>
+        <p:style>
+          <a:lnRef idx="1">
+            <a:schemeClr val="accent1"/>
+          </a:lnRef>
+          <a:fillRef idx="0">
+            <a:schemeClr val="accent1"/>
+          </a:fillRef>
+          <a:effectRef idx="0">
+            <a:schemeClr val="accent1"/>
+          </a:effectRef>
+          <a:fontRef idx="minor">
+            <a:schemeClr val="tx1"/>
+          </a:fontRef>
+        </p:style>
+      </p:cxnSp>
+      <p:cxnSp>
+        <p:nvCxnSpPr>
+          <p:cNvPr id="30" name="Straight Connector 29"/>
+          <p:cNvCxnSpPr>
+            <a:cxnSpLocks/>
+          </p:cNvCxnSpPr>
+          <p:nvPr/>
+        </p:nvCxnSpPr>
+        <p:spPr>
+          <a:xfrm flipV="1">
+            <a:off x="4577674" y="2863429"/>
+            <a:ext cx="395719" cy="150921"/>
+          </a:xfrm>
+          <a:prstGeom prst="line">
+            <a:avLst/>
+          </a:prstGeom>
+          <a:ln>
+            <a:solidFill>
+              <a:schemeClr val="tx1"/>
+            </a:solidFill>
+          </a:ln>
+        </p:spPr>
+        <p:style>
+          <a:lnRef idx="1">
+            <a:schemeClr val="accent1"/>
+          </a:lnRef>
+          <a:fillRef idx="0">
+            <a:schemeClr val="accent1"/>
+          </a:fillRef>
+          <a:effectRef idx="0">
+            <a:schemeClr val="accent1"/>
+          </a:effectRef>
+          <a:fontRef idx="minor">
+            <a:schemeClr val="tx1"/>
+          </a:fontRef>
+        </p:style>
+      </p:cxnSp>
+      <p:cxnSp>
+        <p:nvCxnSpPr>
+          <p:cNvPr id="31" name="Straight Connector 30"/>
+          <p:cNvCxnSpPr>
+            <a:cxnSpLocks/>
+          </p:cNvCxnSpPr>
+          <p:nvPr/>
+        </p:nvCxnSpPr>
+        <p:spPr>
+          <a:xfrm>
+            <a:off x="4578019" y="2577542"/>
+            <a:ext cx="273086" cy="207143"/>
+          </a:xfrm>
+          <a:prstGeom prst="line">
+            <a:avLst/>
+          </a:prstGeom>
+          <a:ln>
+            <a:solidFill>
+              <a:schemeClr val="tx1"/>
+            </a:solidFill>
+          </a:ln>
+        </p:spPr>
+        <p:style>
+          <a:lnRef idx="1">
+            <a:schemeClr val="accent1"/>
+          </a:lnRef>
+          <a:fillRef idx="0">
+            <a:schemeClr val="accent1"/>
+          </a:fillRef>
+          <a:effectRef idx="0">
+            <a:schemeClr val="accent1"/>
+          </a:effectRef>
+          <a:fontRef idx="minor">
+            <a:schemeClr val="tx1"/>
+          </a:fontRef>
+        </p:style>
+      </p:cxnSp>
+      <p:sp>
+        <p:nvSpPr>
+          <p:cNvPr id="32" name="TextBox 31"/>
+          <p:cNvSpPr txBox="1"/>
+          <p:nvPr/>
+        </p:nvSpPr>
+        <p:spPr>
+          <a:xfrm>
+            <a:off x="5830044" y="1660623"/>
+            <a:ext cx="412292" cy="307777"/>
+          </a:xfrm>
+          <a:prstGeom prst="rect">
+            <a:avLst/>
+          </a:prstGeom>
+          <a:noFill/>
+        </p:spPr>
+        <p:txBody>
+          <a:bodyPr wrap="none" rtlCol="0">
+            <a:spAutoFit/>
+          </a:bodyPr>
+          <a:lstStyle/>
+          <a:p>
+            <a:r>
+              <a:rPr lang="en-AU" sz="1400" dirty="0"/>
+              <a:t>10.</a:t>
+            </a:r>
+          </a:p>
+        </p:txBody>
+      </p:sp>
+      <p:cxnSp>
+        <p:nvCxnSpPr>
+          <p:cNvPr id="33" name="Straight Connector 32"/>
+          <p:cNvCxnSpPr>
+            <a:cxnSpLocks/>
+          </p:cNvCxnSpPr>
+          <p:nvPr/>
+        </p:nvCxnSpPr>
+        <p:spPr>
+          <a:xfrm flipH="1" flipV="1">
+            <a:off x="6033478" y="1900546"/>
+            <a:ext cx="295400" cy="240954"/>
+          </a:xfrm>
+          <a:prstGeom prst="line">
+            <a:avLst/>
+          </a:prstGeom>
+          <a:ln>
+            <a:solidFill>
+              <a:schemeClr val="tx1"/>
+            </a:solidFill>
+          </a:ln>
+        </p:spPr>
+        <p:style>
+          <a:lnRef idx="1">
+            <a:schemeClr val="accent1"/>
+          </a:lnRef>
+          <a:fillRef idx="0">
+            <a:schemeClr val="accent1"/>
+          </a:fillRef>
+          <a:effectRef idx="0">
+            <a:schemeClr val="accent1"/>
+          </a:effectRef>
+          <a:fontRef idx="minor">
+            <a:schemeClr val="tx1"/>
+          </a:fontRef>
+        </p:style>
+      </p:cxnSp>
+      <p:sp>
+        <p:nvSpPr>
+          <p:cNvPr id="34" name="TextBox 33"/>
+          <p:cNvSpPr txBox="1"/>
+          <p:nvPr/>
+        </p:nvSpPr>
+        <p:spPr>
+          <a:xfrm>
+            <a:off x="8859127" y="2300933"/>
+            <a:ext cx="663964" cy="307777"/>
+          </a:xfrm>
+          <a:prstGeom prst="rect">
+            <a:avLst/>
+          </a:prstGeom>
+          <a:noFill/>
+        </p:spPr>
+        <p:txBody>
+          <a:bodyPr wrap="none" rtlCol="0">
+            <a:spAutoFit/>
+          </a:bodyPr>
+          <a:lstStyle/>
+          <a:p>
+            <a:r>
+              <a:rPr lang="en-AU" sz="1400" dirty="0"/>
+              <a:t>11/18.</a:t>
+            </a:r>
+          </a:p>
+        </p:txBody>
+      </p:sp>
+      <p:sp>
+        <p:nvSpPr>
+          <p:cNvPr id="35" name="TextBox 34"/>
+          <p:cNvSpPr txBox="1"/>
+          <p:nvPr/>
+        </p:nvSpPr>
+        <p:spPr>
+          <a:xfrm>
+            <a:off x="10309541" y="2766458"/>
+            <a:ext cx="412292" cy="307777"/>
+          </a:xfrm>
+          <a:prstGeom prst="rect">
+            <a:avLst/>
+          </a:prstGeom>
+          <a:noFill/>
+        </p:spPr>
+        <p:txBody>
+          <a:bodyPr wrap="none" rtlCol="0">
+            <a:spAutoFit/>
+          </a:bodyPr>
+          <a:lstStyle/>
+          <a:p>
+            <a:r>
+              <a:rPr lang="en-AU" sz="1400" dirty="0"/>
+              <a:t>12.</a:t>
+            </a:r>
+          </a:p>
+        </p:txBody>
+      </p:sp>
+      <p:sp>
+        <p:nvSpPr>
+          <p:cNvPr id="36" name="TextBox 35"/>
+          <p:cNvSpPr txBox="1"/>
+          <p:nvPr/>
+        </p:nvSpPr>
+        <p:spPr>
+          <a:xfrm>
+            <a:off x="9711859" y="3121223"/>
+            <a:ext cx="412292" cy="307777"/>
+          </a:xfrm>
+          <a:prstGeom prst="rect">
+            <a:avLst/>
+          </a:prstGeom>
+          <a:noFill/>
+        </p:spPr>
+        <p:txBody>
+          <a:bodyPr wrap="none" rtlCol="0">
+            <a:spAutoFit/>
+          </a:bodyPr>
+          <a:lstStyle/>
+          <a:p>
+            <a:r>
+              <a:rPr lang="en-AU" sz="1400" dirty="0"/>
+              <a:t>13.</a:t>
+            </a:r>
+          </a:p>
+        </p:txBody>
+      </p:sp>
+      <p:sp>
+        <p:nvSpPr>
+          <p:cNvPr id="37" name="TextBox 36"/>
+          <p:cNvSpPr txBox="1"/>
+          <p:nvPr/>
+        </p:nvSpPr>
+        <p:spPr>
+          <a:xfrm>
+            <a:off x="9211506" y="3498360"/>
+            <a:ext cx="412292" cy="307777"/>
+          </a:xfrm>
+          <a:prstGeom prst="rect">
+            <a:avLst/>
+          </a:prstGeom>
+          <a:noFill/>
+        </p:spPr>
+        <p:txBody>
+          <a:bodyPr wrap="none" rtlCol="0">
+            <a:spAutoFit/>
+          </a:bodyPr>
+          <a:lstStyle/>
+          <a:p>
+            <a:r>
+              <a:rPr lang="en-AU" sz="1400" dirty="0"/>
+              <a:t>14.</a:t>
+            </a:r>
+          </a:p>
+        </p:txBody>
+      </p:sp>
+      <p:sp>
+        <p:nvSpPr>
+          <p:cNvPr id="38" name="TextBox 37"/>
+          <p:cNvSpPr txBox="1"/>
+          <p:nvPr/>
+        </p:nvSpPr>
+        <p:spPr>
+          <a:xfrm>
+            <a:off x="10836134" y="4534289"/>
+            <a:ext cx="412292" cy="307777"/>
+          </a:xfrm>
+          <a:prstGeom prst="rect">
+            <a:avLst/>
+          </a:prstGeom>
+          <a:noFill/>
+        </p:spPr>
+        <p:txBody>
+          <a:bodyPr wrap="none" rtlCol="0">
+            <a:spAutoFit/>
+          </a:bodyPr>
+          <a:lstStyle/>
+          <a:p>
+            <a:r>
+              <a:rPr lang="en-AU" sz="1400" dirty="0"/>
+              <a:t>15.</a:t>
+            </a:r>
+          </a:p>
+        </p:txBody>
+      </p:sp>
+      <p:sp>
+        <p:nvSpPr>
+          <p:cNvPr id="39" name="TextBox 38"/>
+          <p:cNvSpPr txBox="1"/>
+          <p:nvPr/>
+        </p:nvSpPr>
+        <p:spPr>
+          <a:xfrm>
+            <a:off x="10759432" y="4932279"/>
+            <a:ext cx="412292" cy="307777"/>
+          </a:xfrm>
+          <a:prstGeom prst="rect">
+            <a:avLst/>
+          </a:prstGeom>
+          <a:noFill/>
+        </p:spPr>
+        <p:txBody>
+          <a:bodyPr wrap="none" rtlCol="0">
+            <a:spAutoFit/>
+          </a:bodyPr>
+          <a:lstStyle/>
+          <a:p>
+            <a:r>
+              <a:rPr lang="en-AU" sz="1400" dirty="0"/>
+              <a:t>16.</a:t>
+            </a:r>
+          </a:p>
+        </p:txBody>
+      </p:sp>
+      <p:cxnSp>
+        <p:nvCxnSpPr>
+          <p:cNvPr id="40" name="Straight Connector 39"/>
+          <p:cNvCxnSpPr>
+            <a:cxnSpLocks/>
+          </p:cNvCxnSpPr>
+          <p:nvPr/>
+        </p:nvCxnSpPr>
+        <p:spPr>
+          <a:xfrm flipH="1" flipV="1">
+            <a:off x="9201791" y="2557177"/>
+            <a:ext cx="321300" cy="79761"/>
+          </a:xfrm>
+          <a:prstGeom prst="line">
+            <a:avLst/>
+          </a:prstGeom>
+          <a:ln>
+            <a:solidFill>
+              <a:schemeClr val="tx1"/>
+            </a:solidFill>
+          </a:ln>
+        </p:spPr>
+        <p:style>
+          <a:lnRef idx="1">
+            <a:schemeClr val="accent1"/>
+          </a:lnRef>
+          <a:fillRef idx="0">
+            <a:schemeClr val="accent1"/>
+          </a:fillRef>
+          <a:effectRef idx="0">
+            <a:schemeClr val="accent1"/>
+          </a:effectRef>
+          <a:fontRef idx="minor">
+            <a:schemeClr val="tx1"/>
+          </a:fontRef>
+        </p:style>
+      </p:cxnSp>
+      <p:cxnSp>
+        <p:nvCxnSpPr>
+          <p:cNvPr id="41" name="Straight Connector 40"/>
+          <p:cNvCxnSpPr>
+            <a:cxnSpLocks/>
+          </p:cNvCxnSpPr>
+          <p:nvPr/>
+        </p:nvCxnSpPr>
+        <p:spPr>
+          <a:xfrm flipH="1" flipV="1">
+            <a:off x="10124151" y="2805023"/>
+            <a:ext cx="266239" cy="122913"/>
+          </a:xfrm>
+          <a:prstGeom prst="line">
+            <a:avLst/>
+          </a:prstGeom>
+          <a:ln>
+            <a:solidFill>
+              <a:schemeClr val="tx1"/>
+            </a:solidFill>
+          </a:ln>
+        </p:spPr>
+        <p:style>
+          <a:lnRef idx="1">
+            <a:schemeClr val="accent1"/>
+          </a:lnRef>
+          <a:fillRef idx="0">
+            <a:schemeClr val="accent1"/>
+          </a:fillRef>
+          <a:effectRef idx="0">
+            <a:schemeClr val="accent1"/>
+          </a:effectRef>
+          <a:fontRef idx="minor">
+            <a:schemeClr val="tx1"/>
+          </a:fontRef>
+        </p:style>
+      </p:cxnSp>
+      <p:cxnSp>
+        <p:nvCxnSpPr>
+          <p:cNvPr id="42" name="Straight Connector 41"/>
+          <p:cNvCxnSpPr>
+            <a:cxnSpLocks/>
+          </p:cNvCxnSpPr>
+          <p:nvPr/>
+        </p:nvCxnSpPr>
+        <p:spPr>
+          <a:xfrm flipH="1" flipV="1">
+            <a:off x="9523091" y="3194050"/>
+            <a:ext cx="289580" cy="81063"/>
+          </a:xfrm>
+          <a:prstGeom prst="line">
+            <a:avLst/>
+          </a:prstGeom>
+          <a:ln>
+            <a:solidFill>
+              <a:schemeClr val="tx1"/>
+            </a:solidFill>
+          </a:ln>
+        </p:spPr>
+        <p:style>
+          <a:lnRef idx="1">
+            <a:schemeClr val="accent1"/>
+          </a:lnRef>
+          <a:fillRef idx="0">
+            <a:schemeClr val="accent1"/>
+          </a:fillRef>
+          <a:effectRef idx="0">
+            <a:schemeClr val="accent1"/>
+          </a:effectRef>
+          <a:fontRef idx="minor">
+            <a:schemeClr val="tx1"/>
+          </a:fontRef>
+        </p:style>
+      </p:cxnSp>
+      <p:cxnSp>
+        <p:nvCxnSpPr>
+          <p:cNvPr id="43" name="Straight Connector 42"/>
+          <p:cNvCxnSpPr>
+            <a:cxnSpLocks/>
+          </p:cNvCxnSpPr>
+          <p:nvPr/>
+        </p:nvCxnSpPr>
+        <p:spPr>
+          <a:xfrm flipH="1">
+            <a:off x="9176353" y="3717967"/>
+            <a:ext cx="186088" cy="119190"/>
+          </a:xfrm>
+          <a:prstGeom prst="line">
+            <a:avLst/>
+          </a:prstGeom>
+          <a:ln>
+            <a:solidFill>
+              <a:schemeClr val="tx1"/>
+            </a:solidFill>
+          </a:ln>
+        </p:spPr>
+        <p:style>
+          <a:lnRef idx="1">
+            <a:schemeClr val="accent1"/>
+          </a:lnRef>
+          <a:fillRef idx="0">
+            <a:schemeClr val="accent1"/>
+          </a:fillRef>
+          <a:effectRef idx="0">
+            <a:schemeClr val="accent1"/>
+          </a:effectRef>
+          <a:fontRef idx="minor">
+            <a:schemeClr val="tx1"/>
+          </a:fontRef>
+        </p:style>
+      </p:cxnSp>
+      <p:cxnSp>
+        <p:nvCxnSpPr>
+          <p:cNvPr id="44" name="Straight Connector 43"/>
+          <p:cNvCxnSpPr>
+            <a:cxnSpLocks/>
+          </p:cNvCxnSpPr>
+          <p:nvPr/>
+        </p:nvCxnSpPr>
+        <p:spPr>
+          <a:xfrm flipH="1">
+            <a:off x="10721833" y="4688177"/>
+            <a:ext cx="217793" cy="48923"/>
+          </a:xfrm>
+          <a:prstGeom prst="line">
+            <a:avLst/>
+          </a:prstGeom>
+          <a:ln>
+            <a:solidFill>
+              <a:schemeClr val="tx1"/>
+            </a:solidFill>
+          </a:ln>
+        </p:spPr>
+        <p:style>
+          <a:lnRef idx="1">
+            <a:schemeClr val="accent1"/>
+          </a:lnRef>
+          <a:fillRef idx="0">
+            <a:schemeClr val="accent1"/>
+          </a:fillRef>
+          <a:effectRef idx="0">
+            <a:schemeClr val="accent1"/>
+          </a:effectRef>
+          <a:fontRef idx="minor">
+            <a:schemeClr val="tx1"/>
+          </a:fontRef>
+        </p:style>
+      </p:cxnSp>
+      <p:cxnSp>
+        <p:nvCxnSpPr>
+          <p:cNvPr id="45" name="Straight Connector 44"/>
+          <p:cNvCxnSpPr>
+            <a:cxnSpLocks/>
+          </p:cNvCxnSpPr>
+          <p:nvPr/>
+        </p:nvCxnSpPr>
+        <p:spPr>
+          <a:xfrm flipH="1" flipV="1">
+            <a:off x="10664825" y="4959239"/>
+            <a:ext cx="192892" cy="141028"/>
+          </a:xfrm>
+          <a:prstGeom prst="line">
+            <a:avLst/>
+          </a:prstGeom>
+          <a:ln>
+            <a:solidFill>
+              <a:schemeClr val="tx1"/>
+            </a:solidFill>
+          </a:ln>
+        </p:spPr>
+        <p:style>
+          <a:lnRef idx="1">
+            <a:schemeClr val="accent1"/>
+          </a:lnRef>
+          <a:fillRef idx="0">
+            <a:schemeClr val="accent1"/>
+          </a:fillRef>
+          <a:effectRef idx="0">
+            <a:schemeClr val="accent1"/>
+          </a:effectRef>
+          <a:fontRef idx="minor">
+            <a:schemeClr val="tx1"/>
+          </a:fontRef>
+        </p:style>
+      </p:cxnSp>
+      <p:sp>
+        <p:nvSpPr>
+          <p:cNvPr id="46" name="Rectangle 45"/>
+          <p:cNvSpPr/>
+          <p:nvPr/>
+        </p:nvSpPr>
+        <p:spPr>
+          <a:xfrm>
+            <a:off x="4396977" y="2282215"/>
+            <a:ext cx="917905" cy="1021922"/>
+          </a:xfrm>
+          <a:prstGeom prst="rect">
+            <a:avLst/>
+          </a:prstGeom>
+          <a:noFill/>
+          <a:ln>
+            <a:solidFill>
+              <a:schemeClr val="tx1"/>
+            </a:solidFill>
+          </a:ln>
+        </p:spPr>
+        <p:style>
+          <a:lnRef idx="2">
+            <a:schemeClr val="accent1">
+              <a:shade val="50000"/>
+            </a:schemeClr>
+          </a:lnRef>
+          <a:fillRef idx="1">
+            <a:schemeClr val="accent1"/>
+          </a:fillRef>
+          <a:effectRef idx="0">
+            <a:schemeClr val="accent1"/>
+          </a:effectRef>
+          <a:fontRef idx="minor">
+            <a:schemeClr val="lt1"/>
+          </a:fontRef>
+        </p:style>
+        <p:txBody>
+          <a:bodyPr rtlCol="0" anchor="ctr"/>
+          <a:lstStyle/>
+          <a:p>
+            <a:pPr algn="ctr"/>
+            <a:endParaRPr lang="en-AU"/>
+          </a:p>
+        </p:txBody>
+      </p:sp>
+      <p:sp>
+        <p:nvSpPr>
+          <p:cNvPr id="52" name="TextBox 51"/>
+          <p:cNvSpPr txBox="1"/>
+          <p:nvPr/>
+        </p:nvSpPr>
+        <p:spPr>
+          <a:xfrm>
+            <a:off x="2667543" y="2282215"/>
+            <a:ext cx="320922" cy="307777"/>
+          </a:xfrm>
+          <a:prstGeom prst="rect">
+            <a:avLst/>
+          </a:prstGeom>
+          <a:noFill/>
+        </p:spPr>
+        <p:txBody>
+          <a:bodyPr wrap="none" rtlCol="0">
+            <a:spAutoFit/>
+          </a:bodyPr>
+          <a:lstStyle/>
+          <a:p>
+            <a:r>
+              <a:rPr lang="en-AU" sz="1400" dirty="0"/>
+              <a:t>1.</a:t>
+            </a:r>
+          </a:p>
+        </p:txBody>
+      </p:sp>
+      <p:cxnSp>
+        <p:nvCxnSpPr>
+          <p:cNvPr id="59" name="Straight Connector 58"/>
+          <p:cNvCxnSpPr>
+            <a:cxnSpLocks/>
+          </p:cNvCxnSpPr>
+          <p:nvPr/>
+        </p:nvCxnSpPr>
+        <p:spPr>
+          <a:xfrm flipH="1" flipV="1">
+            <a:off x="1810284" y="2583910"/>
+            <a:ext cx="736513" cy="164344"/>
+          </a:xfrm>
+          <a:prstGeom prst="line">
+            <a:avLst/>
+          </a:prstGeom>
+          <a:ln>
+            <a:solidFill>
+              <a:schemeClr val="tx1"/>
+            </a:solidFill>
+          </a:ln>
+        </p:spPr>
+        <p:style>
+          <a:lnRef idx="1">
+            <a:schemeClr val="accent1"/>
+          </a:lnRef>
+          <a:fillRef idx="0">
+            <a:schemeClr val="accent1"/>
+          </a:fillRef>
+          <a:effectRef idx="0">
+            <a:schemeClr val="accent1"/>
+          </a:effectRef>
+          <a:fontRef idx="minor">
+            <a:schemeClr val="tx1"/>
+          </a:fontRef>
+        </p:style>
+      </p:cxnSp>
+      <p:cxnSp>
+        <p:nvCxnSpPr>
+          <p:cNvPr id="57" name="Straight Connector 56">
+            <a:extLst>
+              <a:ext uri="{FF2B5EF4-FFF2-40B4-BE49-F238E27FC236}">
+                <a16:creationId xmlns:a16="http://schemas.microsoft.com/office/drawing/2014/main" id="{D9B2B397-9782-4277-97B7-5813BE5D6242}"/>
+              </a:ext>
+            </a:extLst>
+          </p:cNvPr>
+          <p:cNvCxnSpPr>
+            <a:cxnSpLocks/>
+          </p:cNvCxnSpPr>
+          <p:nvPr/>
+        </p:nvCxnSpPr>
+        <p:spPr>
+          <a:xfrm flipH="1" flipV="1">
+            <a:off x="1720514" y="2353490"/>
+            <a:ext cx="331269" cy="47548"/>
+          </a:xfrm>
+          <a:prstGeom prst="line">
+            <a:avLst/>
+          </a:prstGeom>
+          <a:ln>
+            <a:solidFill>
+              <a:schemeClr val="tx1"/>
+            </a:solidFill>
+          </a:ln>
+        </p:spPr>
+        <p:style>
+          <a:lnRef idx="1">
+            <a:schemeClr val="accent1"/>
+          </a:lnRef>
+          <a:fillRef idx="0">
+            <a:schemeClr val="accent1"/>
+          </a:fillRef>
+          <a:effectRef idx="0">
+            <a:schemeClr val="accent1"/>
+          </a:effectRef>
+          <a:fontRef idx="minor">
+            <a:schemeClr val="tx1"/>
+          </a:fontRef>
+        </p:style>
+      </p:cxnSp>
+      <p:sp>
+        <p:nvSpPr>
+          <p:cNvPr id="60" name="TextBox 59">
+            <a:extLst>
+              <a:ext uri="{FF2B5EF4-FFF2-40B4-BE49-F238E27FC236}">
+                <a16:creationId xmlns:a16="http://schemas.microsoft.com/office/drawing/2014/main" id="{CB43C09F-4CF1-4BA2-9832-3969752F0C29}"/>
+              </a:ext>
+            </a:extLst>
+          </p:cNvPr>
+          <p:cNvSpPr txBox="1"/>
+          <p:nvPr/>
+        </p:nvSpPr>
+        <p:spPr>
+          <a:xfrm>
+            <a:off x="1425588" y="2189469"/>
+            <a:ext cx="412292" cy="307777"/>
+          </a:xfrm>
+          <a:prstGeom prst="rect">
+            <a:avLst/>
+          </a:prstGeom>
+          <a:noFill/>
+        </p:spPr>
+        <p:txBody>
+          <a:bodyPr wrap="none" rtlCol="0">
+            <a:spAutoFit/>
+          </a:bodyPr>
+          <a:lstStyle/>
+          <a:p>
+            <a:r>
+              <a:rPr lang="en-AU" sz="1400" dirty="0"/>
+              <a:t>19.</a:t>
+            </a:r>
+          </a:p>
+        </p:txBody>
+      </p:sp>
+      <p:cxnSp>
+        <p:nvCxnSpPr>
+          <p:cNvPr id="76" name="Straight Connector 75">
+            <a:extLst>
+              <a:ext uri="{FF2B5EF4-FFF2-40B4-BE49-F238E27FC236}">
+                <a16:creationId xmlns:a16="http://schemas.microsoft.com/office/drawing/2014/main" id="{4BD26B63-A3E4-4186-8944-DE77C5AADC6A}"/>
+              </a:ext>
+            </a:extLst>
+          </p:cNvPr>
+          <p:cNvCxnSpPr>
+            <a:cxnSpLocks/>
+          </p:cNvCxnSpPr>
+          <p:nvPr/>
+        </p:nvCxnSpPr>
+        <p:spPr>
+          <a:xfrm flipH="1" flipV="1">
+            <a:off x="5727615" y="1878179"/>
+            <a:ext cx="453563" cy="398783"/>
+          </a:xfrm>
+          <a:prstGeom prst="line">
+            <a:avLst/>
+          </a:prstGeom>
+          <a:ln>
+            <a:solidFill>
+              <a:schemeClr val="tx1"/>
+            </a:solidFill>
+          </a:ln>
+        </p:spPr>
+        <p:style>
+          <a:lnRef idx="1">
+            <a:schemeClr val="accent1"/>
+          </a:lnRef>
+          <a:fillRef idx="0">
+            <a:schemeClr val="accent1"/>
+          </a:fillRef>
+          <a:effectRef idx="0">
+            <a:schemeClr val="accent1"/>
+          </a:effectRef>
+          <a:fontRef idx="minor">
+            <a:schemeClr val="tx1"/>
+          </a:fontRef>
+        </p:style>
+      </p:cxnSp>
+      <p:sp>
+        <p:nvSpPr>
+          <p:cNvPr id="78" name="TextBox 77">
+            <a:extLst>
+              <a:ext uri="{FF2B5EF4-FFF2-40B4-BE49-F238E27FC236}">
+                <a16:creationId xmlns:a16="http://schemas.microsoft.com/office/drawing/2014/main" id="{A212F4E7-20DA-471F-A86B-C9DACC1E8C0F}"/>
+              </a:ext>
+            </a:extLst>
+          </p:cNvPr>
+          <p:cNvSpPr txBox="1"/>
+          <p:nvPr/>
+        </p:nvSpPr>
+        <p:spPr>
+          <a:xfrm>
+            <a:off x="5474802" y="1641251"/>
+            <a:ext cx="412292" cy="307777"/>
+          </a:xfrm>
+          <a:prstGeom prst="rect">
+            <a:avLst/>
+          </a:prstGeom>
+          <a:noFill/>
+        </p:spPr>
+        <p:txBody>
+          <a:bodyPr wrap="none" rtlCol="0">
+            <a:spAutoFit/>
+          </a:bodyPr>
+          <a:lstStyle/>
+          <a:p>
+            <a:r>
+              <a:rPr lang="en-AU" sz="1400" dirty="0"/>
+              <a:t>17.</a:t>
+            </a:r>
+          </a:p>
+        </p:txBody>
+      </p:sp>
+      <p:sp>
+        <p:nvSpPr>
+          <p:cNvPr id="53" name="TextBox 52">
+            <a:extLst>
+              <a:ext uri="{FF2B5EF4-FFF2-40B4-BE49-F238E27FC236}">
+                <a16:creationId xmlns:a16="http://schemas.microsoft.com/office/drawing/2014/main" id="{D5B6B45A-777A-4CB5-A262-5C74C5D5D269}"/>
+              </a:ext>
+            </a:extLst>
+          </p:cNvPr>
+          <p:cNvSpPr txBox="1"/>
+          <p:nvPr/>
+        </p:nvSpPr>
+        <p:spPr>
+          <a:xfrm>
+            <a:off x="1297345" y="1981810"/>
+            <a:ext cx="412292" cy="307777"/>
+          </a:xfrm>
+          <a:prstGeom prst="rect">
+            <a:avLst/>
+          </a:prstGeom>
+          <a:noFill/>
+        </p:spPr>
+        <p:txBody>
+          <a:bodyPr wrap="none" rtlCol="0">
+            <a:spAutoFit/>
+          </a:bodyPr>
+          <a:lstStyle/>
+          <a:p>
+            <a:r>
+              <a:rPr lang="en-AU" sz="1400" dirty="0"/>
+              <a:t>20.</a:t>
+            </a:r>
+          </a:p>
+        </p:txBody>
+      </p:sp>
+      <p:cxnSp>
+        <p:nvCxnSpPr>
+          <p:cNvPr id="54" name="Straight Connector 53">
+            <a:extLst>
+              <a:ext uri="{FF2B5EF4-FFF2-40B4-BE49-F238E27FC236}">
+                <a16:creationId xmlns:a16="http://schemas.microsoft.com/office/drawing/2014/main" id="{B1C2CBBF-8068-4338-B627-42C6C075A79A}"/>
+              </a:ext>
+            </a:extLst>
+          </p:cNvPr>
+          <p:cNvCxnSpPr>
+            <a:cxnSpLocks/>
+          </p:cNvCxnSpPr>
+          <p:nvPr/>
+        </p:nvCxnSpPr>
+        <p:spPr>
+          <a:xfrm flipH="1" flipV="1">
+            <a:off x="1620256" y="2149191"/>
+            <a:ext cx="345867" cy="157236"/>
+          </a:xfrm>
+          <a:prstGeom prst="line">
+            <a:avLst/>
+          </a:prstGeom>
+          <a:ln>
+            <a:solidFill>
+              <a:schemeClr val="tx1"/>
+            </a:solidFill>
+          </a:ln>
+        </p:spPr>
+        <p:style>
+          <a:lnRef idx="1">
+            <a:schemeClr val="accent1"/>
+          </a:lnRef>
+          <a:fillRef idx="0">
+            <a:schemeClr val="accent1"/>
+          </a:fillRef>
+          <a:effectRef idx="0">
+            <a:schemeClr val="accent1"/>
+          </a:effectRef>
+          <a:fontRef idx="minor">
+            <a:schemeClr val="tx1"/>
+          </a:fontRef>
+        </p:style>
+      </p:cxnSp>
+      <p:sp>
+        <p:nvSpPr>
+          <p:cNvPr id="64" name="TextBox 63">
+            <a:extLst>
+              <a:ext uri="{FF2B5EF4-FFF2-40B4-BE49-F238E27FC236}">
+                <a16:creationId xmlns:a16="http://schemas.microsoft.com/office/drawing/2014/main" id="{9FAE3991-4325-4780-874D-00C59CDAD84F}"/>
+              </a:ext>
+            </a:extLst>
+          </p:cNvPr>
+          <p:cNvSpPr txBox="1"/>
+          <p:nvPr/>
+        </p:nvSpPr>
+        <p:spPr>
+          <a:xfrm>
+            <a:off x="2681287" y="2607664"/>
+            <a:ext cx="412292" cy="307777"/>
+          </a:xfrm>
+          <a:prstGeom prst="rect">
+            <a:avLst/>
+          </a:prstGeom>
+          <a:noFill/>
+        </p:spPr>
+        <p:txBody>
+          <a:bodyPr wrap="none" rtlCol="0">
+            <a:spAutoFit/>
+          </a:bodyPr>
+          <a:lstStyle/>
+          <a:p>
+            <a:r>
+              <a:rPr lang="en-AU" sz="1400" dirty="0"/>
+              <a:t>22.</a:t>
+            </a:r>
+          </a:p>
+        </p:txBody>
+      </p:sp>
+      <p:cxnSp>
+        <p:nvCxnSpPr>
+          <p:cNvPr id="65" name="Straight Connector 64">
+            <a:extLst>
+              <a:ext uri="{FF2B5EF4-FFF2-40B4-BE49-F238E27FC236}">
+                <a16:creationId xmlns:a16="http://schemas.microsoft.com/office/drawing/2014/main" id="{B38CC1DC-D80F-4012-B286-DCFC614D1B2B}"/>
+              </a:ext>
+            </a:extLst>
+          </p:cNvPr>
+          <p:cNvCxnSpPr>
+            <a:cxnSpLocks/>
+          </p:cNvCxnSpPr>
+          <p:nvPr/>
+        </p:nvCxnSpPr>
+        <p:spPr>
+          <a:xfrm>
+            <a:off x="2608219" y="2666082"/>
+            <a:ext cx="170611" cy="100714"/>
+          </a:xfrm>
+          <a:prstGeom prst="line">
+            <a:avLst/>
+          </a:prstGeom>
+          <a:ln>
+            <a:solidFill>
+              <a:schemeClr val="tx1"/>
+            </a:solidFill>
+          </a:ln>
+        </p:spPr>
+        <p:style>
+          <a:lnRef idx="1">
+            <a:schemeClr val="accent1"/>
+          </a:lnRef>
+          <a:fillRef idx="0">
+            <a:schemeClr val="accent1"/>
+          </a:fillRef>
+          <a:effectRef idx="0">
+            <a:schemeClr val="accent1"/>
+          </a:effectRef>
+          <a:fontRef idx="minor">
+            <a:schemeClr val="tx1"/>
+          </a:fontRef>
+        </p:style>
+      </p:cxnSp>
+      <p:sp>
+        <p:nvSpPr>
+          <p:cNvPr id="70" name="TextBox 69">
+            <a:extLst>
+              <a:ext uri="{FF2B5EF4-FFF2-40B4-BE49-F238E27FC236}">
+                <a16:creationId xmlns:a16="http://schemas.microsoft.com/office/drawing/2014/main" id="{EC577A0F-5BD2-43B2-8DCD-4CA0BCF26553}"/>
+              </a:ext>
+            </a:extLst>
+          </p:cNvPr>
+          <p:cNvSpPr txBox="1"/>
+          <p:nvPr/>
+        </p:nvSpPr>
+        <p:spPr>
+          <a:xfrm>
+            <a:off x="3542667" y="2674477"/>
+            <a:ext cx="412292" cy="307777"/>
+          </a:xfrm>
+          <a:prstGeom prst="rect">
+            <a:avLst/>
+          </a:prstGeom>
+          <a:noFill/>
+        </p:spPr>
+        <p:txBody>
+          <a:bodyPr wrap="none" rtlCol="0">
+            <a:spAutoFit/>
+          </a:bodyPr>
+          <a:lstStyle/>
+          <a:p>
+            <a:r>
+              <a:rPr lang="en-AU" sz="1400" dirty="0"/>
+              <a:t>21.</a:t>
+            </a:r>
+          </a:p>
+        </p:txBody>
+      </p:sp>
+      <p:cxnSp>
+        <p:nvCxnSpPr>
+          <p:cNvPr id="71" name="Straight Connector 70">
+            <a:extLst>
+              <a:ext uri="{FF2B5EF4-FFF2-40B4-BE49-F238E27FC236}">
+                <a16:creationId xmlns:a16="http://schemas.microsoft.com/office/drawing/2014/main" id="{FCE2858E-487B-4032-A231-A904645E2D9E}"/>
+              </a:ext>
+            </a:extLst>
+          </p:cNvPr>
+          <p:cNvCxnSpPr/>
+          <p:nvPr/>
+        </p:nvCxnSpPr>
+        <p:spPr>
+          <a:xfrm flipH="1" flipV="1">
+            <a:off x="3503937" y="2674044"/>
+            <a:ext cx="122279" cy="139735"/>
+          </a:xfrm>
+          <a:prstGeom prst="line">
+            <a:avLst/>
+          </a:prstGeom>
+          <a:ln>
+            <a:solidFill>
+              <a:schemeClr val="tx1"/>
+            </a:solidFill>
+          </a:ln>
+        </p:spPr>
+        <p:style>
+          <a:lnRef idx="1">
+            <a:schemeClr val="accent1"/>
+          </a:lnRef>
+          <a:fillRef idx="0">
+            <a:schemeClr val="accent1"/>
+          </a:fillRef>
+          <a:effectRef idx="0">
+            <a:schemeClr val="accent1"/>
+          </a:effectRef>
+          <a:fontRef idx="minor">
+            <a:schemeClr val="tx1"/>
+          </a:fontRef>
+        </p:style>
+      </p:cxnSp>
+      <p:cxnSp>
+        <p:nvCxnSpPr>
+          <p:cNvPr id="61" name="Straight Connector 60">
+            <a:extLst>
+              <a:ext uri="{FF2B5EF4-FFF2-40B4-BE49-F238E27FC236}">
+                <a16:creationId xmlns:a16="http://schemas.microsoft.com/office/drawing/2014/main" id="{B79E25CB-B824-4AED-9EBA-987227F949A5}"/>
+              </a:ext>
+            </a:extLst>
+          </p:cNvPr>
+          <p:cNvCxnSpPr>
+            <a:cxnSpLocks/>
+          </p:cNvCxnSpPr>
+          <p:nvPr/>
+        </p:nvCxnSpPr>
+        <p:spPr>
+          <a:xfrm flipH="1" flipV="1">
+            <a:off x="6185233" y="1570402"/>
+            <a:ext cx="453563" cy="398783"/>
+          </a:xfrm>
+          <a:prstGeom prst="line">
+            <a:avLst/>
+          </a:prstGeom>
+          <a:ln>
+            <a:solidFill>
+              <a:schemeClr val="tx1"/>
+            </a:solidFill>
+          </a:ln>
+        </p:spPr>
+        <p:style>
+          <a:lnRef idx="1">
+            <a:schemeClr val="accent1"/>
+          </a:lnRef>
+          <a:fillRef idx="0">
+            <a:schemeClr val="accent1"/>
+          </a:fillRef>
+          <a:effectRef idx="0">
+            <a:schemeClr val="accent1"/>
+          </a:effectRef>
+          <a:fontRef idx="minor">
+            <a:schemeClr val="tx1"/>
+          </a:fontRef>
+        </p:style>
+      </p:cxnSp>
+      <p:sp>
+        <p:nvSpPr>
+          <p:cNvPr id="62" name="TextBox 61">
+            <a:extLst>
+              <a:ext uri="{FF2B5EF4-FFF2-40B4-BE49-F238E27FC236}">
+                <a16:creationId xmlns:a16="http://schemas.microsoft.com/office/drawing/2014/main" id="{72814756-CDF8-43A8-8A5D-98A5077471EF}"/>
+              </a:ext>
+            </a:extLst>
+          </p:cNvPr>
+          <p:cNvSpPr txBox="1"/>
+          <p:nvPr/>
+        </p:nvSpPr>
+        <p:spPr>
+          <a:xfrm>
+            <a:off x="5932420" y="1333474"/>
+            <a:ext cx="412292" cy="307777"/>
+          </a:xfrm>
+          <a:prstGeom prst="rect">
+            <a:avLst/>
+          </a:prstGeom>
+          <a:noFill/>
+        </p:spPr>
+        <p:txBody>
+          <a:bodyPr wrap="none" rtlCol="0">
+            <a:spAutoFit/>
+          </a:bodyPr>
+          <a:lstStyle/>
+          <a:p>
+            <a:r>
+              <a:rPr lang="en-AU" sz="1400" dirty="0"/>
+              <a:t>23.</a:t>
+            </a:r>
+          </a:p>
+        </p:txBody>
+      </p:sp>
+      <p:sp>
+        <p:nvSpPr>
+          <p:cNvPr id="67" name="TextBox 66">
+            <a:extLst>
+              <a:ext uri="{FF2B5EF4-FFF2-40B4-BE49-F238E27FC236}">
+                <a16:creationId xmlns:a16="http://schemas.microsoft.com/office/drawing/2014/main" id="{C8E3C5D7-B64F-46C2-A0C2-35BF0BDD23FF}"/>
+              </a:ext>
+            </a:extLst>
+          </p:cNvPr>
+          <p:cNvSpPr txBox="1"/>
+          <p:nvPr/>
+        </p:nvSpPr>
+        <p:spPr>
+          <a:xfrm>
+            <a:off x="9916316" y="2846321"/>
+            <a:ext cx="412292" cy="307777"/>
+          </a:xfrm>
+          <a:prstGeom prst="rect">
+            <a:avLst/>
+          </a:prstGeom>
+          <a:noFill/>
+        </p:spPr>
+        <p:txBody>
+          <a:bodyPr wrap="none" rtlCol="0">
+            <a:spAutoFit/>
+          </a:bodyPr>
+          <a:lstStyle/>
+          <a:p>
+            <a:r>
+              <a:rPr lang="en-AU" sz="1400" dirty="0"/>
+              <a:t>24.</a:t>
+            </a:r>
+          </a:p>
+        </p:txBody>
+      </p:sp>
+      <p:cxnSp>
+        <p:nvCxnSpPr>
+          <p:cNvPr id="69" name="Straight Connector 68">
+            <a:extLst>
+              <a:ext uri="{FF2B5EF4-FFF2-40B4-BE49-F238E27FC236}">
+                <a16:creationId xmlns:a16="http://schemas.microsoft.com/office/drawing/2014/main" id="{9ED13BBC-F276-44F6-A62F-0AE7C37A149C}"/>
+              </a:ext>
+            </a:extLst>
+          </p:cNvPr>
+          <p:cNvCxnSpPr>
+            <a:cxnSpLocks/>
+          </p:cNvCxnSpPr>
+          <p:nvPr/>
+        </p:nvCxnSpPr>
+        <p:spPr>
+          <a:xfrm flipH="1" flipV="1">
+            <a:off x="9727548" y="2919148"/>
+            <a:ext cx="289580" cy="81063"/>
+          </a:xfrm>
+          <a:prstGeom prst="line">
+            <a:avLst/>
+          </a:prstGeom>
+          <a:ln>
+            <a:solidFill>
+              <a:schemeClr val="tx1"/>
+            </a:solidFill>
+          </a:ln>
+        </p:spPr>
+        <p:style>
+          <a:lnRef idx="1">
+            <a:schemeClr val="accent1"/>
+          </a:lnRef>
+          <a:fillRef idx="0">
+            <a:schemeClr val="accent1"/>
+          </a:fillRef>
+          <a:effectRef idx="0">
+            <a:schemeClr val="accent1"/>
+          </a:effectRef>
+          <a:fontRef idx="minor">
+            <a:schemeClr val="tx1"/>
+          </a:fontRef>
+        </p:style>
+      </p:cxnSp>
+    </p:spTree>
+    <p:extLst>
+      <p:ext uri="{BB962C8B-B14F-4D97-AF65-F5344CB8AC3E}">
+        <p14:creationId xmlns:p14="http://schemas.microsoft.com/office/powerpoint/2010/main" val="2016033192"/>
       </p:ext>
     </p:extLst>
   </p:cSld>
